--- a/完成モデル/構造モデル.pptx
+++ b/完成モデル/構造モデル.pptx
@@ -6939,10 +6939,10 @@
       </p:cxnSp>
       <p:pic>
         <p:nvPicPr>
-          <p:cNvPr id="52" name="図 51">
+          <p:cNvPr id="13" name="図 12">
             <a:extLst>
               <a:ext uri="{FF2B5EF4-FFF2-40B4-BE49-F238E27FC236}">
-                <a16:creationId xmlns:a16="http://schemas.microsoft.com/office/drawing/2014/main" id="{EAE707CE-51CC-4CCD-9F07-91C88CBC88AC}"/>
+                <a16:creationId xmlns:a16="http://schemas.microsoft.com/office/drawing/2014/main" id="{C1788918-6588-4640-807E-8895A6132F52}"/>
               </a:ext>
             </a:extLst>
           </p:cNvPr>
@@ -6952,14 +6952,20 @@
           <p:nvPr/>
         </p:nvPicPr>
         <p:blipFill rotWithShape="1">
-          <a:blip r:embed="rId2"/>
-          <a:srcRect l="689" t="18424" r="2750" b="3270"/>
+          <a:blip r:embed="rId2">
+            <a:extLst>
+              <a:ext uri="{28A0092B-C50C-407E-A947-70E740481C1C}">
+                <a14:useLocalDpi xmlns:a14="http://schemas.microsoft.com/office/drawing/2010/main" val="0"/>
+              </a:ext>
+            </a:extLst>
+          </a:blip>
+          <a:srcRect l="1157" t="2730" r="625" b="2044"/>
           <a:stretch/>
         </p:blipFill>
         <p:spPr>
           <a:xfrm>
-            <a:off x="160167" y="4074299"/>
-            <a:ext cx="12361313" cy="5429946"/>
+            <a:off x="269887" y="4149184"/>
+            <a:ext cx="12225847" cy="5375075"/>
           </a:xfrm>
           <a:prstGeom prst="rect">
             <a:avLst/>

--- a/完成モデル/構造モデル.pptx
+++ b/完成モデル/構造モデル.pptx
@@ -4726,7 +4726,7 @@
           <p:nvPr>
             <p:extLst>
               <p:ext uri="{D42A27DB-BD31-4B8C-83A1-F6EECF244321}">
-                <p14:modId xmlns:p14="http://schemas.microsoft.com/office/powerpoint/2010/main" val="1802599725"/>
+                <p14:modId xmlns:p14="http://schemas.microsoft.com/office/powerpoint/2010/main" val="2690273088"/>
               </p:ext>
             </p:extLst>
           </p:nvPr>
@@ -5369,11 +5369,18 @@
                     <a:lstStyle/>
                     <a:p>
                       <a:r>
+                        <a:rPr kumimoji="1" lang="ja-JP" altLang="en-US" sz="1050">
+                          <a:latin typeface="メイリオ" panose="020B0604030504040204" pitchFamily="50" charset="-128"/>
+                          <a:ea typeface="メイリオ" panose="020B0604030504040204" pitchFamily="50" charset="-128"/>
+                        </a:rPr>
+                        <a:t>角速度</a:t>
+                      </a:r>
+                      <a:r>
                         <a:rPr kumimoji="1" lang="ja-JP" altLang="en-US" sz="1050" dirty="0">
                           <a:latin typeface="メイリオ" panose="020B0604030504040204" pitchFamily="50" charset="-128"/>
                           <a:ea typeface="メイリオ" panose="020B0604030504040204" pitchFamily="50" charset="-128"/>
                         </a:rPr>
-                        <a:t>各速度を測定する</a:t>
+                        <a:t>を測定する</a:t>
                       </a:r>
                     </a:p>
                   </a:txBody>

--- a/完成モデル/構造モデル.pptx
+++ b/完成モデル/構造モデル.pptx
@@ -4726,7 +4726,7 @@
           <p:nvPr>
             <p:extLst>
               <p:ext uri="{D42A27DB-BD31-4B8C-83A1-F6EECF244321}">
-                <p14:modId xmlns:p14="http://schemas.microsoft.com/office/powerpoint/2010/main" val="2690273088"/>
+                <p14:modId xmlns:p14="http://schemas.microsoft.com/office/powerpoint/2010/main" val="270099171"/>
               </p:ext>
             </p:extLst>
           </p:nvPr>
@@ -4819,16 +4819,12 @@
                     <a:lstStyle/>
                     <a:p>
                       <a:r>
-                        <a:rPr kumimoji="1" lang="ja-JP" altLang="en-US" sz="1050">
+                        <a:rPr kumimoji="1" lang="ja-JP" altLang="en-US" sz="1050" dirty="0">
                           <a:latin typeface="メイリオ" panose="020B0604030504040204" pitchFamily="50" charset="-128"/>
                           <a:ea typeface="メイリオ" panose="020B0604030504040204" pitchFamily="50" charset="-128"/>
                         </a:rPr>
-                        <a:t>コース完走における統括する</a:t>
+                        <a:t>コース完走における統括をする</a:t>
                       </a:r>
-                      <a:endParaRPr kumimoji="1" lang="ja-JP" altLang="en-US" sz="1050" dirty="0">
-                        <a:latin typeface="メイリオ" panose="020B0604030504040204" pitchFamily="50" charset="-128"/>
-                        <a:ea typeface="メイリオ" panose="020B0604030504040204" pitchFamily="50" charset="-128"/>
-                      </a:endParaRPr>
                     </a:p>
                   </a:txBody>
                   <a:tcPr>
@@ -4881,7 +4877,7 @@
                           <a:latin typeface="メイリオ" panose="020B0604030504040204" pitchFamily="50" charset="-128"/>
                           <a:ea typeface="メイリオ" panose="020B0604030504040204" pitchFamily="50" charset="-128"/>
                         </a:rPr>
-                        <a:t>関する統括する</a:t>
+                        <a:t>関する統括をする</a:t>
                       </a:r>
                       <a:endParaRPr kumimoji="1" lang="ja-JP" altLang="en-US" sz="1050" dirty="0">
                         <a:latin typeface="メイリオ" panose="020B0604030504040204" pitchFamily="50" charset="-128"/>

--- a/完成モデル/構造モデル.pptx
+++ b/完成モデル/構造モデル.pptx
@@ -3126,16 +3126,6 @@
               <a:defRPr/>
             </a:pPr>
             <a:r>
-              <a:rPr lang="ja-JP" altLang="en-US" sz="1200" b="1" dirty="0">
-                <a:solidFill>
-                  <a:prstClr val="black"/>
-                </a:solidFill>
-                <a:latin typeface="+mn-ea"/>
-                <a:ea typeface="+mn-ea"/>
-              </a:rPr>
-              <a:t>１．</a:t>
-            </a:r>
-            <a:r>
               <a:rPr lang="ja-JP" altLang="en-US" b="1" dirty="0">
                 <a:solidFill>
                   <a:prstClr val="black"/>
@@ -3143,7 +3133,7 @@
                 <a:latin typeface="+mn-ea"/>
                 <a:ea typeface="+mn-ea"/>
               </a:rPr>
-              <a:t>パッケージ化</a:t>
+              <a:t>１．パッケージ化</a:t>
             </a:r>
             <a:endParaRPr kumimoji="1" lang="ja-JP" altLang="en-US" b="0" i="0" u="none" strike="noStrike" kern="1200" cap="none" spc="0" normalizeH="0" baseline="0" noProof="0" dirty="0">
               <a:ln>
@@ -3177,7 +3167,7 @@
         <p:spPr>
           <a:xfrm>
             <a:off x="171011" y="1056184"/>
-            <a:ext cx="7329343" cy="523220"/>
+            <a:ext cx="7329343" cy="253916"/>
           </a:xfrm>
           <a:prstGeom prst="rect">
             <a:avLst/>
@@ -3208,7 +3198,7 @@
               <a:defRPr/>
             </a:pPr>
             <a:r>
-              <a:rPr kumimoji="1" lang="ja-JP" altLang="en-US" sz="1400" b="0" i="0" u="none" strike="noStrike" kern="1200" cap="none" spc="0" normalizeH="0" baseline="0" noProof="0" dirty="0">
+              <a:rPr kumimoji="1" lang="ja-JP" altLang="en-US" sz="1050" b="0" i="0" u="none" strike="noStrike" kern="1200" cap="none" spc="0" normalizeH="0" baseline="0" noProof="0" dirty="0">
                 <a:ln>
                   <a:noFill/>
                 </a:ln>
@@ -3218,13 +3208,12 @@
                 <a:effectLst/>
                 <a:uLnTx/>
                 <a:uFillTx/>
-                <a:latin typeface="HG丸ｺﾞｼｯｸM-PRO" panose="020F0600000000000000" pitchFamily="50" charset="-128"/>
-                <a:ea typeface="HG丸ｺﾞｼｯｸM-PRO" panose="020F0600000000000000" pitchFamily="50" charset="-128"/>
-                <a:cs typeface="+mn-cs"/>
+                <a:latin typeface="メイリオ" panose="020B0604030504040204" pitchFamily="50" charset="-128"/>
+                <a:ea typeface="メイリオ" panose="020B0604030504040204" pitchFamily="50" charset="-128"/>
               </a:rPr>
               <a:t>機能を構造によって階層化したものパッケージ構造に、各パッケージの役割を説明したものを表に示す。</a:t>
             </a:r>
-            <a:endParaRPr kumimoji="1" lang="en-US" altLang="ja-JP" sz="1400" b="0" i="0" u="none" strike="noStrike" kern="1200" cap="none" spc="0" normalizeH="0" baseline="0" noProof="0" dirty="0">
+            <a:endParaRPr kumimoji="1" lang="en-US" altLang="ja-JP" sz="1050" b="0" i="0" u="none" strike="noStrike" kern="1200" cap="none" spc="0" normalizeH="0" baseline="0" noProof="0" dirty="0">
               <a:ln>
                 <a:noFill/>
               </a:ln>
@@ -3234,9 +3223,8 @@
               <a:effectLst/>
               <a:uLnTx/>
               <a:uFillTx/>
-              <a:latin typeface="HG丸ｺﾞｼｯｸM-PRO" panose="020F0600000000000000" pitchFamily="50" charset="-128"/>
-              <a:ea typeface="HG丸ｺﾞｼｯｸM-PRO" panose="020F0600000000000000" pitchFamily="50" charset="-128"/>
-              <a:cs typeface="+mn-cs"/>
+              <a:latin typeface="メイリオ" panose="020B0604030504040204" pitchFamily="50" charset="-128"/>
+              <a:ea typeface="メイリオ" panose="020B0604030504040204" pitchFamily="50" charset="-128"/>
             </a:endParaRPr>
           </a:p>
         </p:txBody>
@@ -3576,6 +3564,23 @@
               <a:defRPr/>
             </a:pPr>
             <a:r>
+              <a:rPr kumimoji="1" lang="ja-JP" altLang="en-US" b="1" i="0" u="none" strike="noStrike" kern="1200" cap="none" spc="0" normalizeH="0" baseline="0" noProof="0" dirty="0">
+                <a:ln>
+                  <a:noFill/>
+                </a:ln>
+                <a:solidFill>
+                  <a:prstClr val="black"/>
+                </a:solidFill>
+                <a:effectLst/>
+                <a:uLnTx/>
+                <a:uFillTx/>
+                <a:latin typeface="+mn-ea"/>
+                <a:ea typeface="+mn-ea"/>
+                <a:cs typeface="+mn-cs"/>
+              </a:rPr>
+              <a:t>２．部品の仕様</a:t>
+            </a:r>
+            <a:r>
               <a:rPr kumimoji="1" lang="ja-JP" altLang="en-US" sz="1600" b="1" i="0" u="none" strike="noStrike" kern="1200" cap="none" spc="0" normalizeH="0" baseline="0" noProof="0" dirty="0">
                 <a:ln>
                   <a:noFill/>
@@ -3586,11 +3591,11 @@
                 <a:effectLst/>
                 <a:uLnTx/>
                 <a:uFillTx/>
-                <a:latin typeface="HG丸ｺﾞｼｯｸM-PRO" panose="020F0600000000000000" pitchFamily="50" charset="-128"/>
-                <a:ea typeface="HG丸ｺﾞｼｯｸM-PRO" panose="020F0600000000000000" pitchFamily="50" charset="-128"/>
+                <a:latin typeface="+mn-ea"/>
+                <a:ea typeface="+mn-ea"/>
                 <a:cs typeface="+mn-cs"/>
               </a:rPr>
-              <a:t>２．部品の仕様定義</a:t>
+              <a:t>定義</a:t>
             </a:r>
             <a:endParaRPr kumimoji="1" lang="ja-JP" altLang="en-US" sz="1600" b="0" i="0" u="none" strike="noStrike" kern="1200" cap="none" spc="0" normalizeH="0" baseline="0" noProof="0" dirty="0">
               <a:ln>
@@ -3602,8 +3607,8 @@
               <a:effectLst/>
               <a:uLnTx/>
               <a:uFillTx/>
-              <a:latin typeface="Times New Roman" panose="02020603050405020304" pitchFamily="18" charset="0"/>
-              <a:ea typeface="ＭＳ Ｐゴシック" panose="020B0600070205080204" pitchFamily="34" charset="-128"/>
+              <a:latin typeface="+mn-ea"/>
+              <a:ea typeface="+mn-ea"/>
               <a:cs typeface="+mn-cs"/>
             </a:endParaRPr>
           </a:p>
@@ -3667,7 +3672,7 @@
         <p:spPr>
           <a:xfrm>
             <a:off x="7564031" y="1056184"/>
-            <a:ext cx="5033233" cy="738664"/>
+            <a:ext cx="5033233" cy="577081"/>
           </a:xfrm>
           <a:prstGeom prst="rect">
             <a:avLst/>
@@ -3698,7 +3703,7 @@
               <a:defRPr/>
             </a:pPr>
             <a:r>
-              <a:rPr kumimoji="1" lang="ja-JP" altLang="en-US" sz="1400" b="0" i="0" u="none" strike="noStrike" kern="1200" cap="none" spc="0" normalizeH="0" baseline="0" noProof="0" dirty="0">
+              <a:rPr kumimoji="1" lang="ja-JP" altLang="en-US" sz="1050" b="0" i="0" u="none" strike="noStrike" kern="1200" cap="none" spc="0" normalizeH="0" baseline="0" noProof="0" dirty="0">
                 <a:ln>
                   <a:noFill/>
                 </a:ln>
@@ -3708,14 +3713,13 @@
                 <a:effectLst/>
                 <a:uLnTx/>
                 <a:uFillTx/>
-                <a:latin typeface="HG丸ｺﾞｼｯｸM-PRO" panose="020F0600000000000000" pitchFamily="50" charset="-128"/>
-                <a:ea typeface="HG丸ｺﾞｼｯｸM-PRO" panose="020F0600000000000000" pitchFamily="50" charset="-128"/>
-                <a:cs typeface="+mn-cs"/>
+                <a:latin typeface="メイリオ" panose="020B0604030504040204" pitchFamily="50" charset="-128"/>
+                <a:ea typeface="メイリオ" panose="020B0604030504040204" pitchFamily="50" charset="-128"/>
               </a:rPr>
               <a:t>安定した倒立走行を行いコースを完走するためのクラスの構造をクラス図に示す。（</a:t>
             </a:r>
             <a:r>
-              <a:rPr kumimoji="1" lang="ja-JP" altLang="en-US" sz="1400" b="1" i="0" u="none" strike="noStrike" kern="1200" cap="none" spc="0" normalizeH="0" baseline="0" noProof="0" dirty="0">
+              <a:rPr kumimoji="1" lang="ja-JP" altLang="en-US" sz="1050" b="1" i="0" u="none" strike="noStrike" kern="1200" cap="none" spc="0" normalizeH="0" baseline="0" noProof="0" dirty="0">
                 <a:ln>
                   <a:noFill/>
                 </a:ln>
@@ -3725,14 +3729,13 @@
                 <a:effectLst/>
                 <a:uLnTx/>
                 <a:uFillTx/>
-                <a:latin typeface="HG丸ｺﾞｼｯｸM-PRO" panose="020F0600000000000000" pitchFamily="50" charset="-128"/>
-                <a:ea typeface="HG丸ｺﾞｼｯｸM-PRO" panose="020F0600000000000000" pitchFamily="50" charset="-128"/>
-                <a:cs typeface="+mn-cs"/>
+                <a:latin typeface="メイリオ" panose="020B0604030504040204" pitchFamily="50" charset="-128"/>
+                <a:ea typeface="メイリオ" panose="020B0604030504040204" pitchFamily="50" charset="-128"/>
               </a:rPr>
               <a:t>ただし、多重度はすべて１、ロール名はクラス名と対応しているものとする。</a:t>
             </a:r>
             <a:r>
-              <a:rPr kumimoji="1" lang="ja-JP" altLang="en-US" sz="1400" b="0" i="0" u="none" strike="noStrike" kern="1200" cap="none" spc="0" normalizeH="0" baseline="0" noProof="0" dirty="0">
+              <a:rPr kumimoji="1" lang="ja-JP" altLang="en-US" sz="1050" b="0" i="0" u="none" strike="noStrike" kern="1200" cap="none" spc="0" normalizeH="0" baseline="0" noProof="0" dirty="0">
                 <a:ln>
                   <a:noFill/>
                 </a:ln>
@@ -3742,9 +3745,8 @@
                 <a:effectLst/>
                 <a:uLnTx/>
                 <a:uFillTx/>
-                <a:latin typeface="HG丸ｺﾞｼｯｸM-PRO" panose="020F0600000000000000" pitchFamily="50" charset="-128"/>
-                <a:ea typeface="HG丸ｺﾞｼｯｸM-PRO" panose="020F0600000000000000" pitchFamily="50" charset="-128"/>
-                <a:cs typeface="+mn-cs"/>
+                <a:latin typeface="メイリオ" panose="020B0604030504040204" pitchFamily="50" charset="-128"/>
+                <a:ea typeface="メイリオ" panose="020B0604030504040204" pitchFamily="50" charset="-128"/>
               </a:rPr>
               <a:t>）</a:t>
             </a:r>
@@ -4455,7 +4457,7 @@
           <p:spPr>
             <a:xfrm>
               <a:off x="724749" y="1971608"/>
-              <a:ext cx="504051" cy="246221"/>
+              <a:ext cx="504051" cy="200426"/>
             </a:xfrm>
             <a:prstGeom prst="rect">
               <a:avLst/>
@@ -4469,12 +4471,12 @@
             <a:lstStyle/>
             <a:p>
               <a:r>
-                <a:rPr lang="ja-JP" altLang="en-US" sz="1000" dirty="0">
+                <a:rPr lang="ja-JP" altLang="en-US" sz="1000" b="1" dirty="0">
                   <a:latin typeface="+mn-lt"/>
                 </a:rPr>
                 <a:t>管理</a:t>
               </a:r>
-              <a:endParaRPr kumimoji="1" lang="ja-JP" altLang="en-US" sz="1000" dirty="0">
+              <a:endParaRPr kumimoji="1" lang="ja-JP" altLang="en-US" sz="1000" b="1" dirty="0">
                 <a:latin typeface="+mn-lt"/>
               </a:endParaRPr>
             </a:p>
@@ -4495,7 +4497,7 @@
           <p:spPr>
             <a:xfrm>
               <a:off x="712392" y="2881838"/>
-              <a:ext cx="504051" cy="246221"/>
+              <a:ext cx="504051" cy="200426"/>
             </a:xfrm>
             <a:prstGeom prst="rect">
               <a:avLst/>
@@ -4509,7 +4511,7 @@
             <a:lstStyle/>
             <a:p>
               <a:r>
-                <a:rPr kumimoji="1" lang="ja-JP" altLang="en-US" sz="1000" dirty="0">
+                <a:rPr kumimoji="1" lang="ja-JP" altLang="en-US" sz="1000" b="1" dirty="0">
                   <a:latin typeface="+mn-lt"/>
                 </a:rPr>
                 <a:t>参照</a:t>
@@ -4532,7 +4534,7 @@
           <p:spPr>
             <a:xfrm>
               <a:off x="1621828" y="2562070"/>
-              <a:ext cx="504051" cy="246221"/>
+              <a:ext cx="504051" cy="200426"/>
             </a:xfrm>
             <a:prstGeom prst="rect">
               <a:avLst/>
@@ -4546,7 +4548,7 @@
             <a:lstStyle/>
             <a:p>
               <a:r>
-                <a:rPr kumimoji="1" lang="ja-JP" altLang="en-US" sz="1000" dirty="0">
+                <a:rPr kumimoji="1" lang="ja-JP" altLang="en-US" sz="1000" b="1" dirty="0">
                   <a:latin typeface="+mn-lt"/>
                 </a:rPr>
                 <a:t>参照</a:t>
@@ -4569,7 +4571,7 @@
           <p:spPr>
             <a:xfrm>
               <a:off x="2200615" y="2922912"/>
-              <a:ext cx="504051" cy="246221"/>
+              <a:ext cx="504051" cy="200426"/>
             </a:xfrm>
             <a:prstGeom prst="rect">
               <a:avLst/>
@@ -4583,7 +4585,7 @@
             <a:lstStyle/>
             <a:p>
               <a:r>
-                <a:rPr kumimoji="1" lang="ja-JP" altLang="en-US" sz="1000" dirty="0">
+                <a:rPr kumimoji="1" lang="ja-JP" altLang="en-US" sz="1000" b="1" dirty="0">
                   <a:latin typeface="+mn-lt"/>
                 </a:rPr>
                 <a:t>参照</a:t>
@@ -4606,7 +4608,7 @@
           <p:spPr>
             <a:xfrm>
               <a:off x="2261700" y="1962341"/>
-              <a:ext cx="504051" cy="246221"/>
+              <a:ext cx="504051" cy="200426"/>
             </a:xfrm>
             <a:prstGeom prst="rect">
               <a:avLst/>
@@ -4620,7 +4622,7 @@
             <a:lstStyle/>
             <a:p>
               <a:r>
-                <a:rPr kumimoji="1" lang="ja-JP" altLang="en-US" sz="1000" dirty="0">
+                <a:rPr kumimoji="1" lang="ja-JP" altLang="en-US" sz="1000" b="1" dirty="0">
                   <a:latin typeface="+mn-lt"/>
                 </a:rPr>
                 <a:t>制御</a:t>
@@ -4726,13 +4728,13 @@
           <p:nvPr>
             <p:extLst>
               <p:ext uri="{D42A27DB-BD31-4B8C-83A1-F6EECF244321}">
-                <p14:modId xmlns:p14="http://schemas.microsoft.com/office/powerpoint/2010/main" val="270099171"/>
+                <p14:modId xmlns:p14="http://schemas.microsoft.com/office/powerpoint/2010/main" val="735345567"/>
               </p:ext>
             </p:extLst>
           </p:nvPr>
         </p:nvGraphicFramePr>
         <p:xfrm>
-          <a:off x="7632197" y="1839344"/>
+          <a:off x="7632197" y="1603628"/>
           <a:ext cx="4889283" cy="3268980"/>
         </p:xfrm>
         <a:graphic>

--- a/完成モデル/構造モデル.pptx
+++ b/完成モデル/構造モデル.pptx
@@ -4679,10 +4679,10 @@
       </p:cxnSp>
       <p:pic>
         <p:nvPicPr>
-          <p:cNvPr id="6" name="図 5">
+          <p:cNvPr id="15" name="図 14">
             <a:extLst>
               <a:ext uri="{FF2B5EF4-FFF2-40B4-BE49-F238E27FC236}">
-                <a16:creationId xmlns:a16="http://schemas.microsoft.com/office/drawing/2014/main" id="{FE08AD60-5718-7F4E-BFF6-39851045E67A}"/>
+                <a16:creationId xmlns:a16="http://schemas.microsoft.com/office/drawing/2014/main" id="{0B2F259B-9E90-824E-AA7F-FE8C0F9D6A49}"/>
               </a:ext>
             </a:extLst>
           </p:cNvPr>
@@ -4705,8 +4705,8 @@
         </p:blipFill>
         <p:spPr>
           <a:xfrm>
-            <a:off x="181861" y="4109214"/>
-            <a:ext cx="12415401" cy="5393324"/>
+            <a:off x="154627" y="4081650"/>
+            <a:ext cx="12465113" cy="5414919"/>
           </a:xfrm>
           <a:prstGeom prst="rect">
             <a:avLst/>
@@ -5499,6 +5499,264 @@
           </a:graphicData>
         </a:graphic>
       </p:graphicFrame>
+      <p:sp>
+        <p:nvSpPr>
+          <p:cNvPr id="44" name="山形 43">
+            <a:extLst>
+              <a:ext uri="{FF2B5EF4-FFF2-40B4-BE49-F238E27FC236}">
+                <a16:creationId xmlns:a16="http://schemas.microsoft.com/office/drawing/2014/main" id="{5610CFED-9A04-6B48-B087-2679A7EEB532}"/>
+              </a:ext>
+            </a:extLst>
+          </p:cNvPr>
+          <p:cNvSpPr/>
+          <p:nvPr/>
+        </p:nvSpPr>
+        <p:spPr>
+          <a:xfrm rot="10800000">
+            <a:off x="181861" y="4475939"/>
+            <a:ext cx="1902808" cy="429945"/>
+          </a:xfrm>
+          <a:prstGeom prst="chevron">
+            <a:avLst/>
+          </a:prstGeom>
+          <a:solidFill>
+            <a:schemeClr val="bg1"/>
+          </a:solidFill>
+          <a:ln w="19050">
+            <a:solidFill>
+              <a:schemeClr val="accent6"/>
+            </a:solidFill>
+          </a:ln>
+        </p:spPr>
+        <p:style>
+          <a:lnRef idx="2">
+            <a:schemeClr val="accent1">
+              <a:shade val="50000"/>
+            </a:schemeClr>
+          </a:lnRef>
+          <a:fillRef idx="1">
+            <a:schemeClr val="accent1"/>
+          </a:fillRef>
+          <a:effectRef idx="0">
+            <a:schemeClr val="accent1"/>
+          </a:effectRef>
+          <a:fontRef idx="minor">
+            <a:schemeClr val="lt1"/>
+          </a:fontRef>
+        </p:style>
+        <p:txBody>
+          <a:bodyPr rtlCol="0" anchor="ctr"/>
+          <a:lstStyle/>
+          <a:p>
+            <a:pPr algn="ctr"/>
+            <a:endParaRPr kumimoji="1" lang="ja-JP" altLang="en-US">
+              <a:solidFill>
+                <a:schemeClr val="tx1"/>
+              </a:solidFill>
+            </a:endParaRPr>
+          </a:p>
+        </p:txBody>
+      </p:sp>
+      <p:sp>
+        <p:nvSpPr>
+          <p:cNvPr id="42" name="テキスト ボックス 41">
+            <a:extLst>
+              <a:ext uri="{FF2B5EF4-FFF2-40B4-BE49-F238E27FC236}">
+                <a16:creationId xmlns:a16="http://schemas.microsoft.com/office/drawing/2014/main" id="{C601BFA4-8E42-934E-AB2D-A640E905EF1E}"/>
+              </a:ext>
+            </a:extLst>
+          </p:cNvPr>
+          <p:cNvSpPr txBox="1"/>
+          <p:nvPr/>
+        </p:nvSpPr>
+        <p:spPr>
+          <a:xfrm>
+            <a:off x="264889" y="4493646"/>
+            <a:ext cx="1736750" cy="430887"/>
+          </a:xfrm>
+          <a:prstGeom prst="rect">
+            <a:avLst/>
+          </a:prstGeom>
+          <a:noFill/>
+        </p:spPr>
+        <p:txBody>
+          <a:bodyPr wrap="square" rtlCol="0">
+            <a:spAutoFit/>
+          </a:bodyPr>
+          <a:lstStyle/>
+          <a:p>
+            <a:pPr algn="ctr"/>
+            <a:r>
+              <a:rPr lang="ja-JP" altLang="en-US" sz="1100">
+                <a:latin typeface="メイリオ" panose="020B0604030504040204" pitchFamily="50" charset="-128"/>
+                <a:ea typeface="メイリオ" panose="020B0604030504040204" pitchFamily="50" charset="-128"/>
+              </a:rPr>
+              <a:t>タスクの説明は</a:t>
+            </a:r>
+            <a:endParaRPr lang="en-US" altLang="ja-JP" sz="1100" dirty="0">
+              <a:latin typeface="メイリオ" panose="020B0604030504040204" pitchFamily="50" charset="-128"/>
+              <a:ea typeface="メイリオ" panose="020B0604030504040204" pitchFamily="50" charset="-128"/>
+            </a:endParaRPr>
+          </a:p>
+          <a:p>
+            <a:pPr algn="ctr"/>
+            <a:r>
+              <a:rPr lang="ja-JP" altLang="en-US" sz="1100">
+                <a:latin typeface="メイリオ" panose="020B0604030504040204" pitchFamily="50" charset="-128"/>
+                <a:ea typeface="メイリオ" panose="020B0604030504040204" pitchFamily="50" charset="-128"/>
+              </a:rPr>
+              <a:t>「１．機能モデル」</a:t>
+            </a:r>
+            <a:r>
+              <a:rPr lang="en-US" altLang="ja-JP" sz="1100" dirty="0">
+                <a:latin typeface="メイリオ" panose="020B0604030504040204" pitchFamily="50" charset="-128"/>
+                <a:ea typeface="メイリオ" panose="020B0604030504040204" pitchFamily="50" charset="-128"/>
+              </a:rPr>
+              <a:t> </a:t>
+            </a:r>
+            <a:r>
+              <a:rPr lang="ja-JP" altLang="en-US" sz="1100">
+                <a:latin typeface="メイリオ" panose="020B0604030504040204" pitchFamily="50" charset="-128"/>
+                <a:ea typeface="メイリオ" panose="020B0604030504040204" pitchFamily="50" charset="-128"/>
+              </a:rPr>
+              <a:t>へ</a:t>
+            </a:r>
+            <a:endParaRPr kumimoji="1" lang="en-US" altLang="ja-JP" sz="1100" dirty="0">
+              <a:latin typeface="メイリオ" panose="020B0604030504040204" pitchFamily="50" charset="-128"/>
+              <a:ea typeface="メイリオ" panose="020B0604030504040204" pitchFamily="50" charset="-128"/>
+            </a:endParaRPr>
+          </a:p>
+        </p:txBody>
+      </p:sp>
+      <p:sp>
+        <p:nvSpPr>
+          <p:cNvPr id="45" name="山形 44">
+            <a:extLst>
+              <a:ext uri="{FF2B5EF4-FFF2-40B4-BE49-F238E27FC236}">
+                <a16:creationId xmlns:a16="http://schemas.microsoft.com/office/drawing/2014/main" id="{59BD24B5-85AA-BD4D-A1B8-F1CE96A85BDA}"/>
+              </a:ext>
+            </a:extLst>
+          </p:cNvPr>
+          <p:cNvSpPr/>
+          <p:nvPr/>
+        </p:nvSpPr>
+        <p:spPr>
+          <a:xfrm rot="10800000">
+            <a:off x="193771" y="8767822"/>
+            <a:ext cx="2538709" cy="429945"/>
+          </a:xfrm>
+          <a:prstGeom prst="chevron">
+            <a:avLst/>
+          </a:prstGeom>
+          <a:solidFill>
+            <a:schemeClr val="bg1"/>
+          </a:solidFill>
+          <a:ln w="19050">
+            <a:solidFill>
+              <a:schemeClr val="accent6"/>
+            </a:solidFill>
+          </a:ln>
+        </p:spPr>
+        <p:style>
+          <a:lnRef idx="2">
+            <a:schemeClr val="accent1">
+              <a:shade val="50000"/>
+            </a:schemeClr>
+          </a:lnRef>
+          <a:fillRef idx="1">
+            <a:schemeClr val="accent1"/>
+          </a:fillRef>
+          <a:effectRef idx="0">
+            <a:schemeClr val="accent1"/>
+          </a:effectRef>
+          <a:fontRef idx="minor">
+            <a:schemeClr val="lt1"/>
+          </a:fontRef>
+        </p:style>
+        <p:txBody>
+          <a:bodyPr rtlCol="0" anchor="ctr"/>
+          <a:lstStyle/>
+          <a:p>
+            <a:pPr algn="ctr"/>
+            <a:endParaRPr kumimoji="1" lang="ja-JP" altLang="en-US">
+              <a:solidFill>
+                <a:schemeClr val="tx1"/>
+              </a:solidFill>
+            </a:endParaRPr>
+          </a:p>
+        </p:txBody>
+      </p:sp>
+      <p:sp>
+        <p:nvSpPr>
+          <p:cNvPr id="46" name="テキスト ボックス 45">
+            <a:extLst>
+              <a:ext uri="{FF2B5EF4-FFF2-40B4-BE49-F238E27FC236}">
+                <a16:creationId xmlns:a16="http://schemas.microsoft.com/office/drawing/2014/main" id="{82EC71EF-47FD-874F-B35A-CD04F042F319}"/>
+              </a:ext>
+            </a:extLst>
+          </p:cNvPr>
+          <p:cNvSpPr txBox="1"/>
+          <p:nvPr/>
+        </p:nvSpPr>
+        <p:spPr>
+          <a:xfrm>
+            <a:off x="393134" y="8780768"/>
+            <a:ext cx="2146817" cy="430887"/>
+          </a:xfrm>
+          <a:prstGeom prst="rect">
+            <a:avLst/>
+          </a:prstGeom>
+          <a:noFill/>
+        </p:spPr>
+        <p:txBody>
+          <a:bodyPr wrap="square" rtlCol="0">
+            <a:spAutoFit/>
+          </a:bodyPr>
+          <a:lstStyle/>
+          <a:p>
+            <a:pPr algn="ctr"/>
+            <a:r>
+              <a:rPr lang="ja-JP" altLang="en-US" sz="1100">
+                <a:latin typeface="メイリオ" panose="020B0604030504040204" pitchFamily="50" charset="-128"/>
+                <a:ea typeface="メイリオ" panose="020B0604030504040204" pitchFamily="50" charset="-128"/>
+              </a:rPr>
+              <a:t>区間パラメータリストの説明は</a:t>
+            </a:r>
+            <a:endParaRPr lang="en-US" altLang="ja-JP" sz="1100" dirty="0">
+              <a:latin typeface="メイリオ" panose="020B0604030504040204" pitchFamily="50" charset="-128"/>
+              <a:ea typeface="メイリオ" panose="020B0604030504040204" pitchFamily="50" charset="-128"/>
+            </a:endParaRPr>
+          </a:p>
+          <a:p>
+            <a:pPr algn="ctr"/>
+            <a:r>
+              <a:rPr lang="ja-JP" altLang="en-US" sz="1100">
+                <a:latin typeface="メイリオ" panose="020B0604030504040204" pitchFamily="50" charset="-128"/>
+                <a:ea typeface="メイリオ" panose="020B0604030504040204" pitchFamily="50" charset="-128"/>
+              </a:rPr>
+              <a:t>「１．機能モデル」</a:t>
+            </a:r>
+            <a:r>
+              <a:rPr lang="en-US" altLang="ja-JP" sz="1100" dirty="0">
+                <a:latin typeface="メイリオ" panose="020B0604030504040204" pitchFamily="50" charset="-128"/>
+                <a:ea typeface="メイリオ" panose="020B0604030504040204" pitchFamily="50" charset="-128"/>
+              </a:rPr>
+              <a:t> </a:t>
+            </a:r>
+            <a:r>
+              <a:rPr lang="ja-JP" altLang="en-US" sz="1100">
+                <a:latin typeface="メイリオ" panose="020B0604030504040204" pitchFamily="50" charset="-128"/>
+                <a:ea typeface="メイリオ" panose="020B0604030504040204" pitchFamily="50" charset="-128"/>
+              </a:rPr>
+              <a:t>へ</a:t>
+            </a:r>
+            <a:endParaRPr kumimoji="1" lang="en-US" altLang="ja-JP" sz="1100" dirty="0">
+              <a:latin typeface="メイリオ" panose="020B0604030504040204" pitchFamily="50" charset="-128"/>
+              <a:ea typeface="メイリオ" panose="020B0604030504040204" pitchFamily="50" charset="-128"/>
+            </a:endParaRPr>
+          </a:p>
+        </p:txBody>
+      </p:sp>
     </p:spTree>
     <p:extLst>
       <p:ext uri="{BB962C8B-B14F-4D97-AF65-F5344CB8AC3E}">

--- a/完成モデル/構造モデル.pptx
+++ b/完成モデル/構造モデル.pptx
@@ -3094,7 +3094,7 @@
         </p:nvSpPr>
         <p:spPr>
           <a:xfrm>
-            <a:off x="88156" y="709721"/>
+            <a:off x="80579" y="740760"/>
             <a:ext cx="1881729" cy="338554"/>
           </a:xfrm>
           <a:prstGeom prst="rect">
@@ -3244,14 +3244,14 @@
           <p:nvPr>
             <p:extLst>
               <p:ext uri="{D42A27DB-BD31-4B8C-83A1-F6EECF244321}">
-                <p14:modId xmlns:p14="http://schemas.microsoft.com/office/powerpoint/2010/main" val="72567212"/>
+                <p14:modId xmlns:p14="http://schemas.microsoft.com/office/powerpoint/2010/main" val="2617251207"/>
               </p:ext>
             </p:extLst>
           </p:nvPr>
         </p:nvGraphicFramePr>
         <p:xfrm>
-          <a:off x="3410964" y="1671904"/>
-          <a:ext cx="4062696" cy="1864510"/>
+          <a:off x="3476679" y="1471478"/>
+          <a:ext cx="5381846" cy="1864510"/>
         </p:xfrm>
         <a:graphic>
           <a:graphicData uri="http://schemas.openxmlformats.org/drawingml/2006/table">
@@ -3260,14 +3260,14 @@
                 <a:tableStyleId>{93296810-A885-4BE3-A3E7-6D5BEEA58F35}</a:tableStyleId>
               </a:tblPr>
               <a:tblGrid>
-                <a:gridCol w="986024">
+                <a:gridCol w="1306184">
                   <a:extLst>
                     <a:ext uri="{9D8B030D-6E8A-4147-A177-3AD203B41FA5}">
                       <a16:colId xmlns:a16="http://schemas.microsoft.com/office/drawing/2014/main" val="188478114"/>
                     </a:ext>
                   </a:extLst>
                 </a:gridCol>
-                <a:gridCol w="3076672">
+                <a:gridCol w="4075662">
                   <a:extLst>
                     <a:ext uri="{9D8B030D-6E8A-4147-A177-3AD203B41FA5}">
                       <a16:colId xmlns:a16="http://schemas.microsoft.com/office/drawing/2014/main" val="543803565"/>
@@ -3275,7 +3275,7 @@
                   </a:extLst>
                 </a:gridCol>
               </a:tblGrid>
-              <a:tr h="312114">
+              <a:tr h="372902">
                 <a:tc>
                   <a:txBody>
                     <a:bodyPr/>
@@ -3310,7 +3310,7 @@
                   </a:ext>
                 </a:extLst>
               </a:tr>
-              <a:tr h="481778">
+              <a:tr h="372902">
                 <a:tc>
                   <a:txBody>
                     <a:bodyPr/>
@@ -3363,7 +3363,7 @@
                   </a:ext>
                 </a:extLst>
               </a:tr>
-              <a:tr h="294420">
+              <a:tr h="372902">
                 <a:tc>
                   <a:txBody>
                     <a:bodyPr/>
@@ -3416,7 +3416,7 @@
                   </a:ext>
                 </a:extLst>
               </a:tr>
-              <a:tr h="481778">
+              <a:tr h="372902">
                 <a:tc>
                   <a:txBody>
                     <a:bodyPr/>
@@ -3465,7 +3465,7 @@
                   </a:ext>
                 </a:extLst>
               </a:tr>
-              <a:tr h="294420">
+              <a:tr h="372902">
                 <a:tc>
                   <a:txBody>
                     <a:bodyPr/>
@@ -3532,7 +3532,7 @@
         </p:nvSpPr>
         <p:spPr>
           <a:xfrm>
-            <a:off x="7624936" y="696144"/>
+            <a:off x="8958190" y="746953"/>
             <a:ext cx="2234302" cy="338554"/>
           </a:xfrm>
           <a:prstGeom prst="rect">
@@ -3630,8 +3630,8 @@
         </p:nvCxnSpPr>
         <p:spPr>
           <a:xfrm>
-            <a:off x="7625433" y="1056184"/>
-            <a:ext cx="4884700" cy="7120"/>
+            <a:off x="9077745" y="1063304"/>
+            <a:ext cx="3432388" cy="0"/>
           </a:xfrm>
           <a:prstGeom prst="line">
             <a:avLst/>
@@ -3671,8 +3671,8 @@
         </p:nvSpPr>
         <p:spPr>
           <a:xfrm>
-            <a:off x="7564031" y="1056184"/>
-            <a:ext cx="5033233" cy="577081"/>
+            <a:off x="9077745" y="1056184"/>
+            <a:ext cx="3519519" cy="577081"/>
           </a:xfrm>
           <a:prstGeom prst="rect">
             <a:avLst/>
@@ -3769,8 +3769,8 @@
         </p:nvCxnSpPr>
         <p:spPr>
           <a:xfrm flipV="1">
-            <a:off x="181861" y="1056183"/>
-            <a:ext cx="7277721" cy="1"/>
+            <a:off x="137783" y="1063261"/>
+            <a:ext cx="8676663" cy="1"/>
           </a:xfrm>
           <a:prstGeom prst="line">
             <a:avLst/>
@@ -3812,8 +3812,8 @@
         </p:nvCxnSpPr>
         <p:spPr>
           <a:xfrm>
-            <a:off x="7552928" y="768152"/>
-            <a:ext cx="0" cy="3096344"/>
+            <a:off x="8959101" y="905718"/>
+            <a:ext cx="0" cy="2526730"/>
           </a:xfrm>
           <a:prstGeom prst="line">
             <a:avLst/>
@@ -3851,8 +3851,8 @@
         </p:nvCxnSpPr>
         <p:spPr>
           <a:xfrm flipH="1">
-            <a:off x="125069" y="3864496"/>
-            <a:ext cx="7348591" cy="0"/>
+            <a:off x="85176" y="3432448"/>
+            <a:ext cx="8870032" cy="0"/>
           </a:xfrm>
           <a:prstGeom prst="line">
             <a:avLst/>
@@ -4029,10 +4029,10 @@
         </p:nvGrpSpPr>
         <p:grpSpPr>
           <a:xfrm>
-            <a:off x="280120" y="1644562"/>
-            <a:ext cx="3046744" cy="1795345"/>
+            <a:off x="255957" y="1468257"/>
+            <a:ext cx="3027168" cy="1795345"/>
             <a:chOff x="172903" y="1939444"/>
-            <a:chExt cx="3053401" cy="1461428"/>
+            <a:chExt cx="3033782" cy="1461428"/>
           </a:xfrm>
         </p:grpSpPr>
         <p:sp>
@@ -4108,8 +4108,8 @@
           </p:nvSpPr>
           <p:spPr>
             <a:xfrm>
-              <a:off x="2630621" y="2484686"/>
-              <a:ext cx="595683" cy="916185"/>
+              <a:off x="2630621" y="2854741"/>
+              <a:ext cx="576064" cy="546130"/>
             </a:xfrm>
             <a:prstGeom prst="rect">
               <a:avLst/>
@@ -4642,17 +4642,18 @@
           </p:cNvPr>
           <p:cNvCxnSpPr>
             <a:cxnSpLocks/>
+            <a:endCxn id="26" idx="0"/>
           </p:cNvCxnSpPr>
           <p:nvPr/>
         </p:nvCxnSpPr>
         <p:spPr>
-          <a:xfrm>
-            <a:off x="2360681" y="1947543"/>
-            <a:ext cx="655743" cy="366842"/>
+          <a:xfrm rot="16200000" flipH="1">
+            <a:off x="2258443" y="1855409"/>
+            <a:ext cx="777568" cy="696987"/>
           </a:xfrm>
           <a:prstGeom prst="bentConnector3">
             <a:avLst>
-              <a:gd name="adj1" fmla="val 100058"/>
+              <a:gd name="adj1" fmla="val -1062"/>
             </a:avLst>
           </a:prstGeom>
           <a:ln>
@@ -4679,10 +4680,10 @@
       </p:cxnSp>
       <p:pic>
         <p:nvPicPr>
-          <p:cNvPr id="15" name="図 14">
+          <p:cNvPr id="75" name="図 74" descr="スクリーンショット が含まれている画像&#10;&#10;自動的に生成された説明">
             <a:extLst>
               <a:ext uri="{FF2B5EF4-FFF2-40B4-BE49-F238E27FC236}">
-                <a16:creationId xmlns:a16="http://schemas.microsoft.com/office/drawing/2014/main" id="{0B2F259B-9E90-824E-AA7F-FE8C0F9D6A49}"/>
+                <a16:creationId xmlns:a16="http://schemas.microsoft.com/office/drawing/2014/main" id="{50AC5D99-449F-674B-A33B-99CDED96DED8}"/>
               </a:ext>
             </a:extLst>
           </p:cNvPr>
@@ -4705,14 +4706,72 @@
         </p:blipFill>
         <p:spPr>
           <a:xfrm>
-            <a:off x="154627" y="4081650"/>
-            <a:ext cx="12465113" cy="5414919"/>
+            <a:off x="122236" y="3511896"/>
+            <a:ext cx="12562113" cy="5989489"/>
           </a:xfrm>
           <a:prstGeom prst="rect">
             <a:avLst/>
           </a:prstGeom>
         </p:spPr>
       </p:pic>
+      <p:sp>
+        <p:nvSpPr>
+          <p:cNvPr id="44" name="山形 43">
+            <a:extLst>
+              <a:ext uri="{FF2B5EF4-FFF2-40B4-BE49-F238E27FC236}">
+                <a16:creationId xmlns:a16="http://schemas.microsoft.com/office/drawing/2014/main" id="{5610CFED-9A04-6B48-B087-2679A7EEB532}"/>
+              </a:ext>
+            </a:extLst>
+          </p:cNvPr>
+          <p:cNvSpPr/>
+          <p:nvPr/>
+        </p:nvSpPr>
+        <p:spPr>
+          <a:xfrm rot="10800000">
+            <a:off x="105453" y="3777864"/>
+            <a:ext cx="1902808" cy="429945"/>
+          </a:xfrm>
+          <a:prstGeom prst="chevron">
+            <a:avLst/>
+          </a:prstGeom>
+          <a:solidFill>
+            <a:schemeClr val="bg1"/>
+          </a:solidFill>
+          <a:ln w="19050">
+            <a:solidFill>
+              <a:schemeClr val="accent6"/>
+            </a:solidFill>
+          </a:ln>
+        </p:spPr>
+        <p:style>
+          <a:lnRef idx="2">
+            <a:schemeClr val="accent1">
+              <a:shade val="50000"/>
+            </a:schemeClr>
+          </a:lnRef>
+          <a:fillRef idx="1">
+            <a:schemeClr val="accent1"/>
+          </a:fillRef>
+          <a:effectRef idx="0">
+            <a:schemeClr val="accent1"/>
+          </a:effectRef>
+          <a:fontRef idx="minor">
+            <a:schemeClr val="lt1"/>
+          </a:fontRef>
+        </p:style>
+        <p:txBody>
+          <a:bodyPr rtlCol="0" anchor="ctr"/>
+          <a:lstStyle/>
+          <a:p>
+            <a:pPr algn="ctr"/>
+            <a:endParaRPr kumimoji="1" lang="ja-JP" altLang="en-US">
+              <a:solidFill>
+                <a:schemeClr val="tx1"/>
+              </a:solidFill>
+            </a:endParaRPr>
+          </a:p>
+        </p:txBody>
+      </p:sp>
       <p:graphicFrame>
         <p:nvGraphicFramePr>
           <p:cNvPr id="7" name="表 6">
@@ -4728,14 +4787,14 @@
           <p:nvPr>
             <p:extLst>
               <p:ext uri="{D42A27DB-BD31-4B8C-83A1-F6EECF244321}">
-                <p14:modId xmlns:p14="http://schemas.microsoft.com/office/powerpoint/2010/main" val="735345567"/>
+                <p14:modId xmlns:p14="http://schemas.microsoft.com/office/powerpoint/2010/main" val="3390981316"/>
               </p:ext>
             </p:extLst>
           </p:nvPr>
         </p:nvGraphicFramePr>
         <p:xfrm>
-          <a:off x="7632197" y="1603628"/>
-          <a:ext cx="4889283" cy="3268980"/>
+          <a:off x="9077745" y="1684074"/>
+          <a:ext cx="3517622" cy="4581904"/>
         </p:xfrm>
         <a:graphic>
           <a:graphicData uri="http://schemas.openxmlformats.org/drawingml/2006/table">
@@ -4744,14 +4803,14 @@
                 <a:tableStyleId>{93296810-A885-4BE3-A3E7-6D5BEEA58F35}</a:tableStyleId>
               </a:tblPr>
               <a:tblGrid>
-                <a:gridCol w="1707275">
+                <a:gridCol w="1391089">
                   <a:extLst>
                     <a:ext uri="{9D8B030D-6E8A-4147-A177-3AD203B41FA5}">
                       <a16:colId xmlns:a16="http://schemas.microsoft.com/office/drawing/2014/main" val="965776415"/>
                     </a:ext>
                   </a:extLst>
                 </a:gridCol>
-                <a:gridCol w="3182008">
+                <a:gridCol w="2126533">
                   <a:extLst>
                     <a:ext uri="{9D8B030D-6E8A-4147-A177-3AD203B41FA5}">
                       <a16:colId xmlns:a16="http://schemas.microsoft.com/office/drawing/2014/main" val="4018518874"/>
@@ -4759,7 +4818,7 @@
                   </a:extLst>
                 </a:gridCol>
               </a:tblGrid>
-              <a:tr h="181941">
+              <a:tr h="314210">
                 <a:tc>
                   <a:txBody>
                     <a:bodyPr/>
@@ -4767,7 +4826,7 @@
                     <a:p>
                       <a:pPr algn="ctr"/>
                       <a:r>
-                        <a:rPr kumimoji="1" lang="ja-JP" altLang="en-US" sz="1050" dirty="0"/>
+                        <a:rPr kumimoji="1" lang="ja-JP" altLang="en-US" sz="1050" b="1" dirty="0"/>
                         <a:t>名称</a:t>
                       </a:r>
                     </a:p>
@@ -4781,7 +4840,7 @@
                     <a:p>
                       <a:pPr algn="ctr"/>
                       <a:r>
-                        <a:rPr kumimoji="1" lang="ja-JP" altLang="en-US" sz="1050" dirty="0"/>
+                        <a:rPr kumimoji="1" lang="ja-JP" altLang="en-US" sz="1050" b="1" dirty="0"/>
                         <a:t>役割</a:t>
                       </a:r>
                     </a:p>
@@ -4794,14 +4853,15 @@
                   </a:ext>
                 </a:extLst>
               </a:tr>
-              <a:tr h="181941">
+              <a:tr h="314210">
                 <a:tc>
                   <a:txBody>
                     <a:bodyPr/>
                     <a:lstStyle/>
                     <a:p>
+                      <a:pPr algn="ctr"/>
                       <a:r>
-                        <a:rPr kumimoji="1" lang="ja-JP" altLang="en-US" sz="1050" dirty="0">
+                        <a:rPr kumimoji="1" lang="ja-JP" altLang="en-US" sz="1050" b="0" dirty="0">
                           <a:latin typeface="メイリオ" panose="020B0604030504040204" pitchFamily="50" charset="-128"/>
                           <a:ea typeface="メイリオ" panose="020B0604030504040204" pitchFamily="50" charset="-128"/>
                         </a:rPr>
@@ -4821,7 +4881,7 @@
                     <a:lstStyle/>
                     <a:p>
                       <a:r>
-                        <a:rPr kumimoji="1" lang="ja-JP" altLang="en-US" sz="1050" dirty="0">
+                        <a:rPr kumimoji="1" lang="ja-JP" altLang="en-US" sz="1050" b="0" dirty="0">
                           <a:latin typeface="メイリオ" panose="020B0604030504040204" pitchFamily="50" charset="-128"/>
                           <a:ea typeface="メイリオ" panose="020B0604030504040204" pitchFamily="50" charset="-128"/>
                         </a:rPr>
@@ -4829,7 +4889,7 @@
                       </a:r>
                     </a:p>
                   </a:txBody>
-                  <a:tcPr>
+                  <a:tcPr anchor="ctr">
                     <a:solidFill>
                       <a:srgbClr val="FFCCCC"/>
                     </a:solidFill>
@@ -4841,14 +4901,15 @@
                   </a:ext>
                 </a:extLst>
               </a:tr>
-              <a:tr h="181941">
+              <a:tr h="314210">
                 <a:tc>
                   <a:txBody>
                     <a:bodyPr/>
                     <a:lstStyle/>
                     <a:p>
+                      <a:pPr algn="ctr"/>
                       <a:r>
-                        <a:rPr kumimoji="1" lang="ja-JP" altLang="en-US" sz="1050" dirty="0">
+                        <a:rPr kumimoji="1" lang="ja-JP" altLang="en-US" sz="1050" b="0" dirty="0">
                           <a:latin typeface="メイリオ" panose="020B0604030504040204" pitchFamily="50" charset="-128"/>
                           <a:ea typeface="メイリオ" panose="020B0604030504040204" pitchFamily="50" charset="-128"/>
                         </a:rPr>
@@ -4868,26 +4929,26 @@
                     <a:lstStyle/>
                     <a:p>
                       <a:r>
-                        <a:rPr kumimoji="1" lang="ja-JP" altLang="en-US" sz="1050" dirty="0">
+                        <a:rPr kumimoji="1" lang="ja-JP" altLang="en-US" sz="1050" b="0" dirty="0">
                           <a:latin typeface="メイリオ" panose="020B0604030504040204" pitchFamily="50" charset="-128"/>
                           <a:ea typeface="メイリオ" panose="020B0604030504040204" pitchFamily="50" charset="-128"/>
                         </a:rPr>
                         <a:t>区間トレースに</a:t>
                       </a:r>
                       <a:r>
-                        <a:rPr kumimoji="1" lang="ja-JP" altLang="en-US" sz="1050">
+                        <a:rPr kumimoji="1" lang="ja-JP" altLang="en-US" sz="1050" b="0">
                           <a:latin typeface="メイリオ" panose="020B0604030504040204" pitchFamily="50" charset="-128"/>
                           <a:ea typeface="メイリオ" panose="020B0604030504040204" pitchFamily="50" charset="-128"/>
                         </a:rPr>
                         <a:t>関する統括をする</a:t>
                       </a:r>
-                      <a:endParaRPr kumimoji="1" lang="ja-JP" altLang="en-US" sz="1050" dirty="0">
+                      <a:endParaRPr kumimoji="1" lang="ja-JP" altLang="en-US" sz="1050" b="0" dirty="0">
                         <a:latin typeface="メイリオ" panose="020B0604030504040204" pitchFamily="50" charset="-128"/>
                         <a:ea typeface="メイリオ" panose="020B0604030504040204" pitchFamily="50" charset="-128"/>
                       </a:endParaRPr>
                     </a:p>
                   </a:txBody>
-                  <a:tcPr>
+                  <a:tcPr anchor="ctr">
                     <a:solidFill>
                       <a:srgbClr val="FFCCCC"/>
                     </a:solidFill>
@@ -4899,19 +4960,38 @@
                   </a:ext>
                 </a:extLst>
               </a:tr>
-              <a:tr h="181941">
+              <a:tr h="514162">
                 <a:tc>
                   <a:txBody>
                     <a:bodyPr/>
                     <a:lstStyle/>
                     <a:p>
+                      <a:pPr algn="ctr"/>
                       <a:r>
-                        <a:rPr kumimoji="1" lang="ja-JP" altLang="en-US" sz="1050" dirty="0">
+                        <a:rPr kumimoji="1" lang="ja-JP" altLang="en-US" sz="1050" b="0">
                           <a:latin typeface="メイリオ" panose="020B0604030504040204" pitchFamily="50" charset="-128"/>
                           <a:ea typeface="メイリオ" panose="020B0604030504040204" pitchFamily="50" charset="-128"/>
                         </a:rPr>
-                        <a:t>区間パラメータリスト</a:t>
+                        <a:t>区間パラメータ</a:t>
                       </a:r>
+                      <a:endParaRPr kumimoji="1" lang="en-US" altLang="ja-JP" sz="1050" b="0" dirty="0">
+                        <a:latin typeface="メイリオ" panose="020B0604030504040204" pitchFamily="50" charset="-128"/>
+                        <a:ea typeface="メイリオ" panose="020B0604030504040204" pitchFamily="50" charset="-128"/>
+                      </a:endParaRPr>
+                    </a:p>
+                    <a:p>
+                      <a:pPr algn="ctr"/>
+                      <a:r>
+                        <a:rPr kumimoji="1" lang="ja-JP" altLang="en-US" sz="1050" b="0">
+                          <a:latin typeface="メイリオ" panose="020B0604030504040204" pitchFamily="50" charset="-128"/>
+                          <a:ea typeface="メイリオ" panose="020B0604030504040204" pitchFamily="50" charset="-128"/>
+                        </a:rPr>
+                        <a:t>リスト</a:t>
+                      </a:r>
+                      <a:endParaRPr kumimoji="1" lang="ja-JP" altLang="en-US" sz="1050" b="0" dirty="0">
+                        <a:latin typeface="メイリオ" panose="020B0604030504040204" pitchFamily="50" charset="-128"/>
+                        <a:ea typeface="メイリオ" panose="020B0604030504040204" pitchFamily="50" charset="-128"/>
+                      </a:endParaRPr>
                     </a:p>
                   </a:txBody>
                   <a:tcPr anchor="ctr">
@@ -4926,7 +5006,7 @@
                     <a:lstStyle/>
                     <a:p>
                       <a:r>
-                        <a:rPr kumimoji="1" lang="ja-JP" altLang="en-US" sz="1050" dirty="0">
+                        <a:rPr kumimoji="1" lang="ja-JP" altLang="en-US" sz="1050" b="0" dirty="0">
                           <a:latin typeface="メイリオ" panose="020B0604030504040204" pitchFamily="50" charset="-128"/>
                           <a:ea typeface="メイリオ" panose="020B0604030504040204" pitchFamily="50" charset="-128"/>
                         </a:rPr>
@@ -4934,7 +5014,7 @@
                       </a:r>
                     </a:p>
                   </a:txBody>
-                  <a:tcPr>
+                  <a:tcPr anchor="ctr">
                     <a:solidFill>
                       <a:srgbClr val="FFCCCC"/>
                     </a:solidFill>
@@ -4946,14 +5026,15 @@
                   </a:ext>
                 </a:extLst>
               </a:tr>
-              <a:tr h="181941">
+              <a:tr h="314210">
                 <a:tc>
                   <a:txBody>
                     <a:bodyPr/>
                     <a:lstStyle/>
                     <a:p>
+                      <a:pPr algn="ctr"/>
                       <a:r>
-                        <a:rPr kumimoji="1" lang="ja-JP" altLang="en-US" sz="1050" dirty="0">
+                        <a:rPr kumimoji="1" lang="ja-JP" altLang="en-US" sz="1050" b="0" dirty="0">
                           <a:latin typeface="メイリオ" panose="020B0604030504040204" pitchFamily="50" charset="-128"/>
                           <a:ea typeface="メイリオ" panose="020B0604030504040204" pitchFamily="50" charset="-128"/>
                         </a:rPr>
@@ -4973,7 +5054,7 @@
                     <a:lstStyle/>
                     <a:p>
                       <a:r>
-                        <a:rPr kumimoji="1" lang="ja-JP" altLang="en-US" sz="1050" dirty="0">
+                        <a:rPr kumimoji="1" lang="ja-JP" altLang="en-US" sz="1050" b="0" dirty="0">
                           <a:latin typeface="メイリオ" panose="020B0604030504040204" pitchFamily="50" charset="-128"/>
                           <a:ea typeface="メイリオ" panose="020B0604030504040204" pitchFamily="50" charset="-128"/>
                         </a:rPr>
@@ -4981,7 +5062,7 @@
                       </a:r>
                     </a:p>
                   </a:txBody>
-                  <a:tcPr>
+                  <a:tcPr anchor="ctr">
                     <a:solidFill>
                       <a:srgbClr val="FFFFCC"/>
                     </a:solidFill>
@@ -4993,21 +5074,22 @@
                   </a:ext>
                 </a:extLst>
               </a:tr>
-              <a:tr h="181941">
+              <a:tr h="314210">
                 <a:tc>
                   <a:txBody>
                     <a:bodyPr/>
                     <a:lstStyle/>
                     <a:p>
+                      <a:pPr algn="ctr"/>
                       <a:r>
-                        <a:rPr kumimoji="1" lang="en-US" altLang="ja-JP" sz="1050" dirty="0">
+                        <a:rPr kumimoji="1" lang="en-US" altLang="ja-JP" sz="1050" b="0" dirty="0">
                           <a:latin typeface="メイリオ" panose="020B0604030504040204" pitchFamily="50" charset="-128"/>
                           <a:ea typeface="メイリオ" panose="020B0604030504040204" pitchFamily="50" charset="-128"/>
                         </a:rPr>
                         <a:t>PID</a:t>
                       </a:r>
                       <a:r>
-                        <a:rPr kumimoji="1" lang="ja-JP" altLang="en-US" sz="1050" dirty="0">
+                        <a:rPr kumimoji="1" lang="ja-JP" altLang="en-US" sz="1050" b="0" dirty="0">
                           <a:latin typeface="メイリオ" panose="020B0604030504040204" pitchFamily="50" charset="-128"/>
                           <a:ea typeface="メイリオ" panose="020B0604030504040204" pitchFamily="50" charset="-128"/>
                         </a:rPr>
@@ -5027,14 +5109,14 @@
                     <a:lstStyle/>
                     <a:p>
                       <a:r>
-                        <a:rPr kumimoji="1" lang="en-US" altLang="ja-JP" sz="1050" dirty="0">
+                        <a:rPr kumimoji="1" lang="en-US" altLang="ja-JP" sz="1050" b="0" dirty="0">
                           <a:latin typeface="メイリオ" panose="020B0604030504040204" pitchFamily="50" charset="-128"/>
                           <a:ea typeface="メイリオ" panose="020B0604030504040204" pitchFamily="50" charset="-128"/>
                         </a:rPr>
                         <a:t>PID</a:t>
                       </a:r>
                       <a:r>
-                        <a:rPr kumimoji="1" lang="ja-JP" altLang="en-US" sz="1050" dirty="0">
+                        <a:rPr kumimoji="1" lang="ja-JP" altLang="en-US" sz="1050" b="0" dirty="0">
                           <a:latin typeface="メイリオ" panose="020B0604030504040204" pitchFamily="50" charset="-128"/>
                           <a:ea typeface="メイリオ" panose="020B0604030504040204" pitchFamily="50" charset="-128"/>
                         </a:rPr>
@@ -5042,7 +5124,7 @@
                       </a:r>
                     </a:p>
                   </a:txBody>
-                  <a:tcPr>
+                  <a:tcPr anchor="ctr">
                     <a:solidFill>
                       <a:srgbClr val="FFFFCC"/>
                     </a:solidFill>
@@ -5054,14 +5136,15 @@
                   </a:ext>
                 </a:extLst>
               </a:tr>
-              <a:tr h="181941">
+              <a:tr h="314210">
                 <a:tc>
                   <a:txBody>
                     <a:bodyPr/>
                     <a:lstStyle/>
                     <a:p>
+                      <a:pPr algn="ctr"/>
                       <a:r>
-                        <a:rPr kumimoji="1" lang="ja-JP" altLang="en-US" sz="1050" dirty="0">
+                        <a:rPr kumimoji="1" lang="ja-JP" altLang="en-US" sz="1050" b="0" dirty="0">
                           <a:latin typeface="メイリオ" panose="020B0604030504040204" pitchFamily="50" charset="-128"/>
                           <a:ea typeface="メイリオ" panose="020B0604030504040204" pitchFamily="50" charset="-128"/>
                         </a:rPr>
@@ -5081,19 +5164,19 @@
                     <a:lstStyle/>
                     <a:p>
                       <a:r>
-                        <a:rPr kumimoji="1" lang="ja-JP" altLang="en-US" sz="1050" dirty="0">
+                        <a:rPr kumimoji="1" lang="ja-JP" altLang="en-US" sz="1050" b="0" dirty="0">
                           <a:latin typeface="メイリオ" panose="020B0604030504040204" pitchFamily="50" charset="-128"/>
                           <a:ea typeface="メイリオ" panose="020B0604030504040204" pitchFamily="50" charset="-128"/>
                         </a:rPr>
                         <a:t>倒立走行する</a:t>
                       </a:r>
-                      <a:endParaRPr kumimoji="1" lang="en-US" altLang="ja-JP" sz="1050" dirty="0">
+                      <a:endParaRPr kumimoji="1" lang="en-US" altLang="ja-JP" sz="1050" b="0" dirty="0">
                         <a:latin typeface="メイリオ" panose="020B0604030504040204" pitchFamily="50" charset="-128"/>
                         <a:ea typeface="メイリオ" panose="020B0604030504040204" pitchFamily="50" charset="-128"/>
                       </a:endParaRPr>
                     </a:p>
                   </a:txBody>
-                  <a:tcPr>
+                  <a:tcPr anchor="ctr">
                     <a:solidFill>
                       <a:srgbClr val="FFFFCC"/>
                     </a:solidFill>
@@ -5105,19 +5188,45 @@
                   </a:ext>
                 </a:extLst>
               </a:tr>
-              <a:tr h="181941">
+              <a:tr h="514162">
                 <a:tc>
                   <a:txBody>
                     <a:bodyPr/>
                     <a:lstStyle/>
                     <a:p>
+                      <a:pPr algn="ctr"/>
                       <a:r>
-                        <a:rPr kumimoji="1" lang="ja-JP" altLang="en-US" sz="1050" dirty="0">
+                        <a:rPr kumimoji="1" lang="ja-JP" altLang="en-US" sz="1050" b="0" dirty="0">
                           <a:latin typeface="メイリオ" panose="020B0604030504040204" pitchFamily="50" charset="-128"/>
                           <a:ea typeface="メイリオ" panose="020B0604030504040204" pitchFamily="50" charset="-128"/>
                         </a:rPr>
-                        <a:t>倒立振子制御ライブラリ</a:t>
+                        <a:t>倒立</a:t>
                       </a:r>
+                      <a:r>
+                        <a:rPr kumimoji="1" lang="ja-JP" altLang="en-US" sz="1050" b="0">
+                          <a:latin typeface="メイリオ" panose="020B0604030504040204" pitchFamily="50" charset="-128"/>
+                          <a:ea typeface="メイリオ" panose="020B0604030504040204" pitchFamily="50" charset="-128"/>
+                        </a:rPr>
+                        <a:t>振子制御</a:t>
+                      </a:r>
+                      <a:endParaRPr kumimoji="1" lang="en-US" altLang="ja-JP" sz="1050" b="0" dirty="0">
+                        <a:latin typeface="メイリオ" panose="020B0604030504040204" pitchFamily="50" charset="-128"/>
+                        <a:ea typeface="メイリオ" panose="020B0604030504040204" pitchFamily="50" charset="-128"/>
+                      </a:endParaRPr>
+                    </a:p>
+                    <a:p>
+                      <a:pPr algn="ctr"/>
+                      <a:r>
+                        <a:rPr kumimoji="1" lang="ja-JP" altLang="en-US" sz="1050" b="0">
+                          <a:latin typeface="メイリオ" panose="020B0604030504040204" pitchFamily="50" charset="-128"/>
+                          <a:ea typeface="メイリオ" panose="020B0604030504040204" pitchFamily="50" charset="-128"/>
+                        </a:rPr>
+                        <a:t>ライブラリ</a:t>
+                      </a:r>
+                      <a:endParaRPr kumimoji="1" lang="ja-JP" altLang="en-US" sz="1050" b="0" dirty="0">
+                        <a:latin typeface="メイリオ" panose="020B0604030504040204" pitchFamily="50" charset="-128"/>
+                        <a:ea typeface="メイリオ" panose="020B0604030504040204" pitchFamily="50" charset="-128"/>
+                      </a:endParaRPr>
                     </a:p>
                   </a:txBody>
                   <a:tcPr anchor="ctr">
@@ -5132,40 +5241,40 @@
                     <a:lstStyle/>
                     <a:p>
                       <a:r>
-                        <a:rPr kumimoji="1" lang="ja-JP" altLang="en-US" sz="1050" dirty="0">
+                        <a:rPr kumimoji="1" lang="ja-JP" altLang="en-US" sz="1050" b="0" dirty="0">
                           <a:latin typeface="メイリオ" panose="020B0604030504040204" pitchFamily="50" charset="-128"/>
                           <a:ea typeface="メイリオ" panose="020B0604030504040204" pitchFamily="50" charset="-128"/>
                         </a:rPr>
                         <a:t>倒立走行用の</a:t>
                       </a:r>
                       <a:r>
-                        <a:rPr kumimoji="1" lang="en-US" altLang="ja-JP" sz="1050" dirty="0">
+                        <a:rPr kumimoji="1" lang="en-US" altLang="ja-JP" sz="1050" b="0" dirty="0">
                           <a:latin typeface="メイリオ" panose="020B0604030504040204" pitchFamily="50" charset="-128"/>
                           <a:ea typeface="メイリオ" panose="020B0604030504040204" pitchFamily="50" charset="-128"/>
                         </a:rPr>
                         <a:t>PWM</a:t>
                       </a:r>
                       <a:r>
-                        <a:rPr kumimoji="1" lang="ja-JP" altLang="en-US" sz="1050" dirty="0">
+                        <a:rPr kumimoji="1" lang="ja-JP" altLang="en-US" sz="1050" b="0" dirty="0">
                           <a:latin typeface="メイリオ" panose="020B0604030504040204" pitchFamily="50" charset="-128"/>
                           <a:ea typeface="メイリオ" panose="020B0604030504040204" pitchFamily="50" charset="-128"/>
                         </a:rPr>
                         <a:t>値</a:t>
                       </a:r>
                       <a:r>
-                        <a:rPr kumimoji="1" lang="ja-JP" altLang="en-US" sz="1050">
+                        <a:rPr kumimoji="1" lang="ja-JP" altLang="en-US" sz="1050" b="0">
                           <a:latin typeface="メイリオ" panose="020B0604030504040204" pitchFamily="50" charset="-128"/>
                           <a:ea typeface="メイリオ" panose="020B0604030504040204" pitchFamily="50" charset="-128"/>
                         </a:rPr>
                         <a:t>を算出する</a:t>
                       </a:r>
-                      <a:endParaRPr kumimoji="1" lang="ja-JP" altLang="en-US" sz="1050" dirty="0">
+                      <a:endParaRPr kumimoji="1" lang="ja-JP" altLang="en-US" sz="1050" b="0" dirty="0">
                         <a:latin typeface="メイリオ" panose="020B0604030504040204" pitchFamily="50" charset="-128"/>
                         <a:ea typeface="メイリオ" panose="020B0604030504040204" pitchFamily="50" charset="-128"/>
                       </a:endParaRPr>
                     </a:p>
                   </a:txBody>
-                  <a:tcPr>
+                  <a:tcPr anchor="ctr">
                     <a:solidFill>
                       <a:srgbClr val="FFFFCC"/>
                     </a:solidFill>
@@ -5177,14 +5286,15 @@
                   </a:ext>
                 </a:extLst>
               </a:tr>
-              <a:tr h="181941">
+              <a:tr h="314210">
                 <a:tc>
                   <a:txBody>
                     <a:bodyPr/>
                     <a:lstStyle/>
                     <a:p>
+                      <a:pPr algn="ctr"/>
                       <a:r>
-                        <a:rPr kumimoji="1" lang="ja-JP" altLang="en-US" sz="1050" dirty="0">
+                        <a:rPr kumimoji="1" lang="ja-JP" altLang="en-US" sz="1050" b="0" dirty="0">
                           <a:latin typeface="メイリオ" panose="020B0604030504040204" pitchFamily="50" charset="-128"/>
                           <a:ea typeface="メイリオ" panose="020B0604030504040204" pitchFamily="50" charset="-128"/>
                         </a:rPr>
@@ -5204,7 +5314,7 @@
                     <a:lstStyle/>
                     <a:p>
                       <a:r>
-                        <a:rPr kumimoji="1" lang="ja-JP" altLang="en-US" sz="1050" dirty="0">
+                        <a:rPr kumimoji="1" lang="ja-JP" altLang="en-US" sz="1050" b="0" dirty="0">
                           <a:latin typeface="メイリオ" panose="020B0604030504040204" pitchFamily="50" charset="-128"/>
                           <a:ea typeface="メイリオ" panose="020B0604030504040204" pitchFamily="50" charset="-128"/>
                         </a:rPr>
@@ -5212,7 +5322,7 @@
                       </a:r>
                     </a:p>
                   </a:txBody>
-                  <a:tcPr>
+                  <a:tcPr anchor="ctr">
                     <a:solidFill>
                       <a:srgbClr val="CCFFCC"/>
                     </a:solidFill>
@@ -5224,14 +5334,15 @@
                   </a:ext>
                 </a:extLst>
               </a:tr>
-              <a:tr h="181941">
+              <a:tr h="314210">
                 <a:tc>
                   <a:txBody>
                     <a:bodyPr/>
                     <a:lstStyle/>
                     <a:p>
+                      <a:pPr algn="ctr"/>
                       <a:r>
-                        <a:rPr kumimoji="1" lang="ja-JP" altLang="en-US" sz="1050" dirty="0">
+                        <a:rPr kumimoji="1" lang="ja-JP" altLang="en-US" sz="1050" b="0" dirty="0">
                           <a:latin typeface="メイリオ" panose="020B0604030504040204" pitchFamily="50" charset="-128"/>
                           <a:ea typeface="メイリオ" panose="020B0604030504040204" pitchFamily="50" charset="-128"/>
                         </a:rPr>
@@ -5251,26 +5362,26 @@
                     <a:lstStyle/>
                     <a:p>
                       <a:r>
-                        <a:rPr kumimoji="1" lang="ja-JP" altLang="en-US" sz="1050" dirty="0">
+                        <a:rPr kumimoji="1" lang="ja-JP" altLang="en-US" sz="1050" b="0" dirty="0">
                           <a:latin typeface="メイリオ" panose="020B0604030504040204" pitchFamily="50" charset="-128"/>
                           <a:ea typeface="メイリオ" panose="020B0604030504040204" pitchFamily="50" charset="-128"/>
                         </a:rPr>
                         <a:t>角度から距離</a:t>
                       </a:r>
                       <a:r>
-                        <a:rPr kumimoji="1" lang="ja-JP" altLang="en-US" sz="1050">
+                        <a:rPr kumimoji="1" lang="ja-JP" altLang="en-US" sz="1050" b="0">
                           <a:latin typeface="メイリオ" panose="020B0604030504040204" pitchFamily="50" charset="-128"/>
                           <a:ea typeface="メイリオ" panose="020B0604030504040204" pitchFamily="50" charset="-128"/>
                         </a:rPr>
                         <a:t>を測定する</a:t>
                       </a:r>
-                      <a:endParaRPr kumimoji="1" lang="ja-JP" altLang="en-US" sz="1050" dirty="0">
+                      <a:endParaRPr kumimoji="1" lang="ja-JP" altLang="en-US" sz="1050" b="0" dirty="0">
                         <a:latin typeface="メイリオ" panose="020B0604030504040204" pitchFamily="50" charset="-128"/>
                         <a:ea typeface="メイリオ" panose="020B0604030504040204" pitchFamily="50" charset="-128"/>
                       </a:endParaRPr>
                     </a:p>
                   </a:txBody>
-                  <a:tcPr>
+                  <a:tcPr anchor="ctr">
                     <a:solidFill>
                       <a:srgbClr val="CCFFCC"/>
                     </a:solidFill>
@@ -5282,14 +5393,15 @@
                   </a:ext>
                 </a:extLst>
               </a:tr>
-              <a:tr h="181941">
+              <a:tr h="314210">
                 <a:tc>
                   <a:txBody>
                     <a:bodyPr/>
                     <a:lstStyle/>
                     <a:p>
+                      <a:pPr algn="ctr"/>
                       <a:r>
-                        <a:rPr kumimoji="1" lang="ja-JP" altLang="en-US" sz="1050" dirty="0">
+                        <a:rPr kumimoji="1" lang="ja-JP" altLang="en-US" sz="1050" b="0" dirty="0">
                           <a:latin typeface="メイリオ" panose="020B0604030504040204" pitchFamily="50" charset="-128"/>
                           <a:ea typeface="メイリオ" panose="020B0604030504040204" pitchFamily="50" charset="-128"/>
                         </a:rPr>
@@ -5309,26 +5421,26 @@
                     <a:lstStyle/>
                     <a:p>
                       <a:r>
-                        <a:rPr kumimoji="1" lang="ja-JP" altLang="en-US" sz="1050" dirty="0">
+                        <a:rPr kumimoji="1" lang="ja-JP" altLang="en-US" sz="1050" b="0" dirty="0">
                           <a:latin typeface="メイリオ" panose="020B0604030504040204" pitchFamily="50" charset="-128"/>
                           <a:ea typeface="メイリオ" panose="020B0604030504040204" pitchFamily="50" charset="-128"/>
                         </a:rPr>
                         <a:t>輝度偏差</a:t>
                       </a:r>
                       <a:r>
-                        <a:rPr kumimoji="1" lang="ja-JP" altLang="en-US" sz="1050">
+                        <a:rPr kumimoji="1" lang="ja-JP" altLang="en-US" sz="1050" b="0">
                           <a:latin typeface="メイリオ" panose="020B0604030504040204" pitchFamily="50" charset="-128"/>
                           <a:ea typeface="メイリオ" panose="020B0604030504040204" pitchFamily="50" charset="-128"/>
                         </a:rPr>
                         <a:t>を測定する</a:t>
                       </a:r>
-                      <a:endParaRPr kumimoji="1" lang="ja-JP" altLang="en-US" sz="1050" dirty="0">
+                      <a:endParaRPr kumimoji="1" lang="ja-JP" altLang="en-US" sz="1050" b="0" dirty="0">
                         <a:latin typeface="メイリオ" panose="020B0604030504040204" pitchFamily="50" charset="-128"/>
                         <a:ea typeface="メイリオ" panose="020B0604030504040204" pitchFamily="50" charset="-128"/>
                       </a:endParaRPr>
                     </a:p>
                   </a:txBody>
-                  <a:tcPr>
+                  <a:tcPr anchor="ctr">
                     <a:solidFill>
                       <a:srgbClr val="CCFFCC"/>
                     </a:solidFill>
@@ -5340,14 +5452,15 @@
                   </a:ext>
                 </a:extLst>
               </a:tr>
-              <a:tr h="181941">
+              <a:tr h="314210">
                 <a:tc>
                   <a:txBody>
                     <a:bodyPr/>
                     <a:lstStyle/>
                     <a:p>
+                      <a:pPr algn="ctr"/>
                       <a:r>
-                        <a:rPr kumimoji="1" lang="ja-JP" altLang="en-US" sz="1050" dirty="0">
+                        <a:rPr kumimoji="1" lang="ja-JP" altLang="en-US" sz="1050" b="0" dirty="0">
                           <a:latin typeface="メイリオ" panose="020B0604030504040204" pitchFamily="50" charset="-128"/>
                           <a:ea typeface="メイリオ" panose="020B0604030504040204" pitchFamily="50" charset="-128"/>
                         </a:rPr>
@@ -5367,14 +5480,14 @@
                     <a:lstStyle/>
                     <a:p>
                       <a:r>
-                        <a:rPr kumimoji="1" lang="ja-JP" altLang="en-US" sz="1050">
+                        <a:rPr kumimoji="1" lang="ja-JP" altLang="en-US" sz="1050" b="0">
                           <a:latin typeface="メイリオ" panose="020B0604030504040204" pitchFamily="50" charset="-128"/>
                           <a:ea typeface="メイリオ" panose="020B0604030504040204" pitchFamily="50" charset="-128"/>
                         </a:rPr>
                         <a:t>角速度</a:t>
                       </a:r>
                       <a:r>
-                        <a:rPr kumimoji="1" lang="ja-JP" altLang="en-US" sz="1050" dirty="0">
+                        <a:rPr kumimoji="1" lang="ja-JP" altLang="en-US" sz="1050" b="0" dirty="0">
                           <a:latin typeface="メイリオ" panose="020B0604030504040204" pitchFamily="50" charset="-128"/>
                           <a:ea typeface="メイリオ" panose="020B0604030504040204" pitchFamily="50" charset="-128"/>
                         </a:rPr>
@@ -5382,7 +5495,7 @@
                       </a:r>
                     </a:p>
                   </a:txBody>
-                  <a:tcPr>
+                  <a:tcPr anchor="ctr">
                     <a:solidFill>
                       <a:srgbClr val="CCFFCC"/>
                     </a:solidFill>
@@ -5394,13 +5507,13 @@
                   </a:ext>
                 </a:extLst>
               </a:tr>
-              <a:tr h="181941">
+              <a:tr h="314210">
                 <a:tc>
                   <a:txBody>
                     <a:bodyPr/>
                     <a:lstStyle/>
                     <a:p>
-                      <a:pPr marL="0" marR="0" lvl="0" indent="0" algn="l" defTabSz="914400" rtl="0" eaLnBrk="1" fontAlgn="auto" latinLnBrk="0" hangingPunct="1">
+                      <a:pPr marL="0" marR="0" lvl="0" indent="0" algn="ctr" defTabSz="914400" rtl="0" eaLnBrk="1" fontAlgn="auto" latinLnBrk="0" hangingPunct="1">
                         <a:lnSpc>
                           <a:spcPct val="100000"/>
                         </a:lnSpc>
@@ -5483,7 +5596,7 @@
                       </a:r>
                     </a:p>
                   </a:txBody>
-                  <a:tcPr>
+                  <a:tcPr anchor="ctr">
                     <a:solidFill>
                       <a:srgbClr val="CCFFCC"/>
                     </a:solidFill>
@@ -5501,64 +5614,6 @@
       </p:graphicFrame>
       <p:sp>
         <p:nvSpPr>
-          <p:cNvPr id="44" name="山形 43">
-            <a:extLst>
-              <a:ext uri="{FF2B5EF4-FFF2-40B4-BE49-F238E27FC236}">
-                <a16:creationId xmlns:a16="http://schemas.microsoft.com/office/drawing/2014/main" id="{5610CFED-9A04-6B48-B087-2679A7EEB532}"/>
-              </a:ext>
-            </a:extLst>
-          </p:cNvPr>
-          <p:cNvSpPr/>
-          <p:nvPr/>
-        </p:nvSpPr>
-        <p:spPr>
-          <a:xfrm rot="10800000">
-            <a:off x="181861" y="4475939"/>
-            <a:ext cx="1902808" cy="429945"/>
-          </a:xfrm>
-          <a:prstGeom prst="chevron">
-            <a:avLst/>
-          </a:prstGeom>
-          <a:solidFill>
-            <a:schemeClr val="bg1"/>
-          </a:solidFill>
-          <a:ln w="19050">
-            <a:solidFill>
-              <a:schemeClr val="accent6"/>
-            </a:solidFill>
-          </a:ln>
-        </p:spPr>
-        <p:style>
-          <a:lnRef idx="2">
-            <a:schemeClr val="accent1">
-              <a:shade val="50000"/>
-            </a:schemeClr>
-          </a:lnRef>
-          <a:fillRef idx="1">
-            <a:schemeClr val="accent1"/>
-          </a:fillRef>
-          <a:effectRef idx="0">
-            <a:schemeClr val="accent1"/>
-          </a:effectRef>
-          <a:fontRef idx="minor">
-            <a:schemeClr val="lt1"/>
-          </a:fontRef>
-        </p:style>
-        <p:txBody>
-          <a:bodyPr rtlCol="0" anchor="ctr"/>
-          <a:lstStyle/>
-          <a:p>
-            <a:pPr algn="ctr"/>
-            <a:endParaRPr kumimoji="1" lang="ja-JP" altLang="en-US">
-              <a:solidFill>
-                <a:schemeClr val="tx1"/>
-              </a:solidFill>
-            </a:endParaRPr>
-          </a:p>
-        </p:txBody>
-      </p:sp>
-      <p:sp>
-        <p:nvSpPr>
           <p:cNvPr id="42" name="テキスト ボックス 41">
             <a:extLst>
               <a:ext uri="{FF2B5EF4-FFF2-40B4-BE49-F238E27FC236}">
@@ -5571,8 +5626,8 @@
         </p:nvSpPr>
         <p:spPr>
           <a:xfrm>
-            <a:off x="264889" y="4493646"/>
-            <a:ext cx="1736750" cy="430887"/>
+            <a:off x="104670" y="3794763"/>
+            <a:ext cx="1813154" cy="430887"/>
           </a:xfrm>
           <a:prstGeom prst="rect">
             <a:avLst/>
@@ -5642,7 +5697,7 @@
         </p:nvSpPr>
         <p:spPr>
           <a:xfrm rot="10800000">
-            <a:off x="193771" y="8767822"/>
+            <a:off x="117246" y="8916237"/>
             <a:ext cx="2538709" cy="429945"/>
           </a:xfrm>
           <a:prstGeom prst="chevron">
@@ -5700,7 +5755,7 @@
         </p:nvSpPr>
         <p:spPr>
           <a:xfrm>
-            <a:off x="393134" y="8780768"/>
+            <a:off x="313191" y="8953449"/>
             <a:ext cx="2146817" cy="430887"/>
           </a:xfrm>
           <a:prstGeom prst="rect">

--- a/完成モデル/構造モデル.pptx
+++ b/完成モデル/構造モデル.pptx
@@ -3812,8 +3812,8 @@
         </p:nvCxnSpPr>
         <p:spPr>
           <a:xfrm>
-            <a:off x="8959101" y="905718"/>
-            <a:ext cx="0" cy="2526730"/>
+            <a:off x="8959101" y="740760"/>
+            <a:ext cx="0" cy="2691688"/>
           </a:xfrm>
           <a:prstGeom prst="line">
             <a:avLst/>
@@ -4680,10 +4680,10 @@
       </p:cxnSp>
       <p:pic>
         <p:nvPicPr>
-          <p:cNvPr id="75" name="図 74" descr="スクリーンショット が含まれている画像&#10;&#10;自動的に生成された説明">
+          <p:cNvPr id="13" name="図 12">
             <a:extLst>
               <a:ext uri="{FF2B5EF4-FFF2-40B4-BE49-F238E27FC236}">
-                <a16:creationId xmlns:a16="http://schemas.microsoft.com/office/drawing/2014/main" id="{50AC5D99-449F-674B-A33B-99CDED96DED8}"/>
+                <a16:creationId xmlns:a16="http://schemas.microsoft.com/office/drawing/2014/main" id="{29C1D2BA-C382-F64A-873D-E69D79EC9CD8}"/>
               </a:ext>
             </a:extLst>
           </p:cNvPr>
@@ -4706,8 +4706,8 @@
         </p:blipFill>
         <p:spPr>
           <a:xfrm>
-            <a:off x="122236" y="3511896"/>
-            <a:ext cx="12562113" cy="5989489"/>
+            <a:off x="117246" y="3562447"/>
+            <a:ext cx="12526020" cy="5972280"/>
           </a:xfrm>
           <a:prstGeom prst="rect">
             <a:avLst/>

--- a/完成モデル/構造モデル.pptx
+++ b/完成モデル/構造モデル.pptx
@@ -4680,10 +4680,10 @@
       </p:cxnSp>
       <p:pic>
         <p:nvPicPr>
-          <p:cNvPr id="13" name="図 12">
+          <p:cNvPr id="20" name="図 19">
             <a:extLst>
               <a:ext uri="{FF2B5EF4-FFF2-40B4-BE49-F238E27FC236}">
-                <a16:creationId xmlns:a16="http://schemas.microsoft.com/office/drawing/2014/main" id="{29C1D2BA-C382-F64A-873D-E69D79EC9CD8}"/>
+                <a16:creationId xmlns:a16="http://schemas.microsoft.com/office/drawing/2014/main" id="{EA666630-82F1-46E0-AFF2-F638B8386F30}"/>
               </a:ext>
             </a:extLst>
           </p:cNvPr>
@@ -4706,8 +4706,8 @@
         </p:blipFill>
         <p:spPr>
           <a:xfrm>
-            <a:off x="117246" y="3562447"/>
-            <a:ext cx="12526020" cy="5972280"/>
+            <a:off x="117246" y="3541012"/>
+            <a:ext cx="12518829" cy="5967678"/>
           </a:xfrm>
           <a:prstGeom prst="rect">
             <a:avLst/>
@@ -4787,7 +4787,7 @@
           <p:nvPr>
             <p:extLst>
               <p:ext uri="{D42A27DB-BD31-4B8C-83A1-F6EECF244321}">
-                <p14:modId xmlns:p14="http://schemas.microsoft.com/office/powerpoint/2010/main" val="3390981316"/>
+                <p14:modId xmlns:p14="http://schemas.microsoft.com/office/powerpoint/2010/main" val="527937203"/>
               </p:ext>
             </p:extLst>
           </p:nvPr>
@@ -5405,7 +5405,7 @@
                           <a:latin typeface="メイリオ" panose="020B0604030504040204" pitchFamily="50" charset="-128"/>
                           <a:ea typeface="メイリオ" panose="020B0604030504040204" pitchFamily="50" charset="-128"/>
                         </a:rPr>
-                        <a:t>輝度偏差計測計</a:t>
+                        <a:t>輝度偏差計</a:t>
                       </a:r>
                     </a:p>
                   </a:txBody>

--- a/完成モデル/構造モデル.pptx
+++ b/完成モデル/構造モデル.pptx
@@ -3672,7 +3672,7 @@
         <p:spPr>
           <a:xfrm>
             <a:off x="9077745" y="1056184"/>
-            <a:ext cx="3519519" cy="577081"/>
+            <a:ext cx="3519519" cy="415498"/>
           </a:xfrm>
           <a:prstGeom prst="rect">
             <a:avLst/>
@@ -3703,6 +3703,22 @@
               <a:defRPr/>
             </a:pPr>
             <a:r>
+              <a:rPr kumimoji="1" lang="ja-JP" altLang="en-US" sz="1050" b="0" i="0" u="none" strike="noStrike" kern="1200" cap="none" spc="0" normalizeH="0" baseline="0" noProof="0">
+                <a:ln>
+                  <a:noFill/>
+                </a:ln>
+                <a:solidFill>
+                  <a:prstClr val="black"/>
+                </a:solidFill>
+                <a:effectLst/>
+                <a:uLnTx/>
+                <a:uFillTx/>
+                <a:latin typeface="メイリオ" panose="020B0604030504040204" pitchFamily="50" charset="-128"/>
+                <a:ea typeface="メイリオ" panose="020B0604030504040204" pitchFamily="50" charset="-128"/>
+              </a:rPr>
+              <a:t>クラス</a:t>
+            </a:r>
+            <a:r>
               <a:rPr kumimoji="1" lang="ja-JP" altLang="en-US" sz="1050" b="0" i="0" u="none" strike="noStrike" kern="1200" cap="none" spc="0" normalizeH="0" baseline="0" noProof="0" dirty="0">
                 <a:ln>
                   <a:noFill/>
@@ -3716,7 +3732,39 @@
                 <a:latin typeface="メイリオ" panose="020B0604030504040204" pitchFamily="50" charset="-128"/>
                 <a:ea typeface="メイリオ" panose="020B0604030504040204" pitchFamily="50" charset="-128"/>
               </a:rPr>
-              <a:t>安定した倒立走行を行いコースを完走するためのクラスの構造をクラス図に示す。（</a:t>
+              <a:t>の構造をクラス図に</a:t>
+            </a:r>
+            <a:r>
+              <a:rPr kumimoji="1" lang="ja-JP" altLang="en-US" sz="1050" b="0" i="0" u="none" strike="noStrike" kern="1200" cap="none" spc="0" normalizeH="0" baseline="0" noProof="0">
+                <a:ln>
+                  <a:noFill/>
+                </a:ln>
+                <a:solidFill>
+                  <a:prstClr val="black"/>
+                </a:solidFill>
+                <a:effectLst/>
+                <a:uLnTx/>
+                <a:uFillTx/>
+                <a:latin typeface="メイリオ" panose="020B0604030504040204" pitchFamily="50" charset="-128"/>
+                <a:ea typeface="メイリオ" panose="020B0604030504040204" pitchFamily="50" charset="-128"/>
+              </a:rPr>
+              <a:t>示す。</a:t>
+            </a:r>
+            <a:r>
+              <a:rPr kumimoji="1" lang="ja-JP" altLang="en-US" sz="1050" b="1" i="0" u="none" strike="noStrike" kern="1200" cap="none" spc="0" normalizeH="0" baseline="0" noProof="0">
+                <a:ln>
+                  <a:noFill/>
+                </a:ln>
+                <a:solidFill>
+                  <a:srgbClr val="FF0000"/>
+                </a:solidFill>
+                <a:effectLst/>
+                <a:uLnTx/>
+                <a:uFillTx/>
+                <a:latin typeface="メイリオ" panose="020B0604030504040204" pitchFamily="50" charset="-128"/>
+                <a:ea typeface="メイリオ" panose="020B0604030504040204" pitchFamily="50" charset="-128"/>
+              </a:rPr>
+              <a:t>ただし</a:t>
             </a:r>
             <a:r>
               <a:rPr kumimoji="1" lang="ja-JP" altLang="en-US" sz="1050" b="1" i="0" u="none" strike="noStrike" kern="1200" cap="none" spc="0" normalizeH="0" baseline="0" noProof="0" dirty="0">
@@ -3732,15 +3780,15 @@
                 <a:latin typeface="メイリオ" panose="020B0604030504040204" pitchFamily="50" charset="-128"/>
                 <a:ea typeface="メイリオ" panose="020B0604030504040204" pitchFamily="50" charset="-128"/>
               </a:rPr>
-              <a:t>ただし、多重度はすべて１、ロール名はクラス名と対応しているものとする。</a:t>
-            </a:r>
-            <a:r>
-              <a:rPr kumimoji="1" lang="ja-JP" altLang="en-US" sz="1050" b="0" i="0" u="none" strike="noStrike" kern="1200" cap="none" spc="0" normalizeH="0" baseline="0" noProof="0" dirty="0">
+              <a:t>、多重度はすべて１、ロール名はクラス名と対応しているものと</a:t>
+            </a:r>
+            <a:r>
+              <a:rPr kumimoji="1" lang="ja-JP" altLang="en-US" sz="1050" b="1" i="0" u="none" strike="noStrike" kern="1200" cap="none" spc="0" normalizeH="0" baseline="0" noProof="0">
                 <a:ln>
                   <a:noFill/>
                 </a:ln>
                 <a:solidFill>
-                  <a:prstClr val="black"/>
+                  <a:srgbClr val="FF0000"/>
                 </a:solidFill>
                 <a:effectLst/>
                 <a:uLnTx/>
@@ -3748,8 +3796,21 @@
                 <a:latin typeface="メイリオ" panose="020B0604030504040204" pitchFamily="50" charset="-128"/>
                 <a:ea typeface="メイリオ" panose="020B0604030504040204" pitchFamily="50" charset="-128"/>
               </a:rPr>
-              <a:t>）</a:t>
-            </a:r>
+              <a:t>する。</a:t>
+            </a:r>
+            <a:endParaRPr kumimoji="1" lang="ja-JP" altLang="en-US" sz="1050" b="0" i="0" u="none" strike="noStrike" kern="1200" cap="none" spc="0" normalizeH="0" baseline="0" noProof="0" dirty="0">
+              <a:ln>
+                <a:noFill/>
+              </a:ln>
+              <a:solidFill>
+                <a:prstClr val="black"/>
+              </a:solidFill>
+              <a:effectLst/>
+              <a:uLnTx/>
+              <a:uFillTx/>
+              <a:latin typeface="メイリオ" panose="020B0604030504040204" pitchFamily="50" charset="-128"/>
+              <a:ea typeface="メイリオ" panose="020B0604030504040204" pitchFamily="50" charset="-128"/>
+            </a:endParaRPr>
           </a:p>
         </p:txBody>
       </p:sp>
@@ -4084,13 +4145,18 @@
             <a:p>
               <a:pPr algn="ctr"/>
               <a:r>
-                <a:rPr kumimoji="1" lang="ja-JP" altLang="en-US" sz="1050" b="1" dirty="0">
+                <a:rPr kumimoji="1" lang="ja-JP" altLang="en-US" sz="1050" b="1">
                   <a:solidFill>
                     <a:schemeClr val="tx1"/>
                   </a:solidFill>
                 </a:rPr>
-                <a:t>管理</a:t>
+                <a:t>走行管理</a:t>
               </a:r>
+              <a:endParaRPr kumimoji="1" lang="ja-JP" altLang="en-US" sz="1050" b="1" dirty="0">
+                <a:solidFill>
+                  <a:schemeClr val="tx1"/>
+                </a:solidFill>
+              </a:endParaRPr>
             </a:p>
           </p:txBody>
         </p:sp>
@@ -4631,6 +4697,42 @@
           </p:txBody>
         </p:sp>
       </p:grpSp>
+      <p:pic>
+        <p:nvPicPr>
+          <p:cNvPr id="6" name="図 5">
+            <a:extLst>
+              <a:ext uri="{FF2B5EF4-FFF2-40B4-BE49-F238E27FC236}">
+                <a16:creationId xmlns:a16="http://schemas.microsoft.com/office/drawing/2014/main" id="{BC4E90A1-606B-D245-A391-3ED7CA57697A}"/>
+              </a:ext>
+            </a:extLst>
+          </p:cNvPr>
+          <p:cNvPicPr>
+            <a:picLocks noChangeAspect="1"/>
+          </p:cNvPicPr>
+          <p:nvPr/>
+        </p:nvPicPr>
+        <p:blipFill>
+          <a:blip r:embed="rId2">
+            <a:extLst>
+              <a:ext uri="{28A0092B-C50C-407E-A947-70E740481C1C}">
+                <a14:useLocalDpi xmlns:a14="http://schemas.microsoft.com/office/drawing/2010/main" val="0"/>
+              </a:ext>
+            </a:extLst>
+          </a:blip>
+          <a:stretch>
+            <a:fillRect/>
+          </a:stretch>
+        </p:blipFill>
+        <p:spPr>
+          <a:xfrm>
+            <a:off x="137783" y="3572771"/>
+            <a:ext cx="12500765" cy="5945486"/>
+          </a:xfrm>
+          <a:prstGeom prst="rect">
+            <a:avLst/>
+          </a:prstGeom>
+        </p:spPr>
+      </p:pic>
       <p:cxnSp>
         <p:nvCxnSpPr>
           <p:cNvPr id="43" name="コネクタ: カギ線 42">
@@ -4678,42 +4780,6 @@
           </a:fontRef>
         </p:style>
       </p:cxnSp>
-      <p:pic>
-        <p:nvPicPr>
-          <p:cNvPr id="20" name="図 19">
-            <a:extLst>
-              <a:ext uri="{FF2B5EF4-FFF2-40B4-BE49-F238E27FC236}">
-                <a16:creationId xmlns:a16="http://schemas.microsoft.com/office/drawing/2014/main" id="{EA666630-82F1-46E0-AFF2-F638B8386F30}"/>
-              </a:ext>
-            </a:extLst>
-          </p:cNvPr>
-          <p:cNvPicPr>
-            <a:picLocks noChangeAspect="1"/>
-          </p:cNvPicPr>
-          <p:nvPr/>
-        </p:nvPicPr>
-        <p:blipFill>
-          <a:blip r:embed="rId2">
-            <a:extLst>
-              <a:ext uri="{28A0092B-C50C-407E-A947-70E740481C1C}">
-                <a14:useLocalDpi xmlns:a14="http://schemas.microsoft.com/office/drawing/2010/main" val="0"/>
-              </a:ext>
-            </a:extLst>
-          </a:blip>
-          <a:stretch>
-            <a:fillRect/>
-          </a:stretch>
-        </p:blipFill>
-        <p:spPr>
-          <a:xfrm>
-            <a:off x="117246" y="3541012"/>
-            <a:ext cx="12518829" cy="5967678"/>
-          </a:xfrm>
-          <a:prstGeom prst="rect">
-            <a:avLst/>
-          </a:prstGeom>
-        </p:spPr>
-      </p:pic>
       <p:sp>
         <p:nvSpPr>
           <p:cNvPr id="44" name="山形 43">
@@ -4787,14 +4853,14 @@
           <p:nvPr>
             <p:extLst>
               <p:ext uri="{D42A27DB-BD31-4B8C-83A1-F6EECF244321}">
-                <p14:modId xmlns:p14="http://schemas.microsoft.com/office/powerpoint/2010/main" val="527937203"/>
+                <p14:modId xmlns:p14="http://schemas.microsoft.com/office/powerpoint/2010/main" val="3995118555"/>
               </p:ext>
             </p:extLst>
           </p:nvPr>
         </p:nvGraphicFramePr>
         <p:xfrm>
-          <a:off x="9077745" y="1684074"/>
-          <a:ext cx="3517622" cy="4581904"/>
+          <a:off x="9120495" y="1445547"/>
+          <a:ext cx="3517622" cy="4784697"/>
         </p:xfrm>
         <a:graphic>
           <a:graphicData uri="http://schemas.openxmlformats.org/drawingml/2006/table">
@@ -4803,14 +4869,14 @@
                 <a:tableStyleId>{93296810-A885-4BE3-A3E7-6D5BEEA58F35}</a:tableStyleId>
               </a:tblPr>
               <a:tblGrid>
-                <a:gridCol w="1391089">
+                <a:gridCol w="1283495">
                   <a:extLst>
                     <a:ext uri="{9D8B030D-6E8A-4147-A177-3AD203B41FA5}">
                       <a16:colId xmlns:a16="http://schemas.microsoft.com/office/drawing/2014/main" val="965776415"/>
                     </a:ext>
                   </a:extLst>
                 </a:gridCol>
-                <a:gridCol w="2126533">
+                <a:gridCol w="2234127">
                   <a:extLst>
                     <a:ext uri="{9D8B030D-6E8A-4147-A177-3AD203B41FA5}">
                       <a16:colId xmlns:a16="http://schemas.microsoft.com/office/drawing/2014/main" val="4018518874"/>
@@ -4818,7 +4884,7 @@
                   </a:extLst>
                 </a:gridCol>
               </a:tblGrid>
-              <a:tr h="314210">
+              <a:tr h="282966">
                 <a:tc>
                   <a:txBody>
                     <a:bodyPr/>
@@ -4853,7 +4919,7 @@
                   </a:ext>
                 </a:extLst>
               </a:tr>
-              <a:tr h="314210">
+              <a:tr h="282966">
                 <a:tc>
                   <a:txBody>
                     <a:bodyPr/>
@@ -4861,12 +4927,16 @@
                     <a:p>
                       <a:pPr algn="ctr"/>
                       <a:r>
-                        <a:rPr kumimoji="1" lang="ja-JP" altLang="en-US" sz="1050" b="0" dirty="0">
+                        <a:rPr kumimoji="1" lang="ja-JP" altLang="en-US" sz="1050" b="0">
                           <a:latin typeface="メイリオ" panose="020B0604030504040204" pitchFamily="50" charset="-128"/>
                           <a:ea typeface="メイリオ" panose="020B0604030504040204" pitchFamily="50" charset="-128"/>
                         </a:rPr>
-                        <a:t>中枢</a:t>
+                        <a:t>競技管理</a:t>
                       </a:r>
+                      <a:endParaRPr kumimoji="1" lang="ja-JP" altLang="en-US" sz="1050" b="0" dirty="0">
+                        <a:latin typeface="メイリオ" panose="020B0604030504040204" pitchFamily="50" charset="-128"/>
+                        <a:ea typeface="メイリオ" panose="020B0604030504040204" pitchFamily="50" charset="-128"/>
+                      </a:endParaRPr>
                     </a:p>
                   </a:txBody>
                   <a:tcPr anchor="ctr">
@@ -4885,8 +4955,19 @@
                           <a:latin typeface="メイリオ" panose="020B0604030504040204" pitchFamily="50" charset="-128"/>
                           <a:ea typeface="メイリオ" panose="020B0604030504040204" pitchFamily="50" charset="-128"/>
                         </a:rPr>
-                        <a:t>コース完走における統括をする</a:t>
+                        <a:t>コース完走に</a:t>
                       </a:r>
+                      <a:r>
+                        <a:rPr kumimoji="1" lang="ja-JP" altLang="en-US" sz="1050" b="0">
+                          <a:latin typeface="メイリオ" panose="020B0604030504040204" pitchFamily="50" charset="-128"/>
+                          <a:ea typeface="メイリオ" panose="020B0604030504040204" pitchFamily="50" charset="-128"/>
+                        </a:rPr>
+                        <a:t>おける統括</a:t>
+                      </a:r>
+                      <a:endParaRPr kumimoji="1" lang="ja-JP" altLang="en-US" sz="1050" b="0" dirty="0">
+                        <a:latin typeface="メイリオ" panose="020B0604030504040204" pitchFamily="50" charset="-128"/>
+                        <a:ea typeface="メイリオ" panose="020B0604030504040204" pitchFamily="50" charset="-128"/>
+                      </a:endParaRPr>
                     </a:p>
                   </a:txBody>
                   <a:tcPr anchor="ctr">
@@ -4901,7 +4982,7 @@
                   </a:ext>
                 </a:extLst>
               </a:tr>
-              <a:tr h="314210">
+              <a:tr h="282966">
                 <a:tc>
                   <a:txBody>
                     <a:bodyPr/>
@@ -4909,12 +4990,16 @@
                     <a:p>
                       <a:pPr algn="ctr"/>
                       <a:r>
-                        <a:rPr kumimoji="1" lang="ja-JP" altLang="en-US" sz="1050" b="0" dirty="0">
+                        <a:rPr kumimoji="1" lang="ja-JP" altLang="en-US" sz="1050" b="0">
                           <a:latin typeface="メイリオ" panose="020B0604030504040204" pitchFamily="50" charset="-128"/>
                           <a:ea typeface="メイリオ" panose="020B0604030504040204" pitchFamily="50" charset="-128"/>
                         </a:rPr>
-                        <a:t>区間トレーサ</a:t>
+                        <a:t>区間管理</a:t>
                       </a:r>
+                      <a:endParaRPr kumimoji="1" lang="ja-JP" altLang="en-US" sz="1050" b="0" dirty="0">
+                        <a:latin typeface="メイリオ" panose="020B0604030504040204" pitchFamily="50" charset="-128"/>
+                        <a:ea typeface="メイリオ" panose="020B0604030504040204" pitchFamily="50" charset="-128"/>
+                      </a:endParaRPr>
                     </a:p>
                   </a:txBody>
                   <a:tcPr anchor="ctr">
@@ -4940,7 +5025,7 @@
                           <a:latin typeface="メイリオ" panose="020B0604030504040204" pitchFamily="50" charset="-128"/>
                           <a:ea typeface="メイリオ" panose="020B0604030504040204" pitchFamily="50" charset="-128"/>
                         </a:rPr>
-                        <a:t>関する統括をする</a:t>
+                        <a:t>関する統括</a:t>
                       </a:r>
                       <a:endParaRPr kumimoji="1" lang="ja-JP" altLang="en-US" sz="1050" b="0" dirty="0">
                         <a:latin typeface="メイリオ" panose="020B0604030504040204" pitchFamily="50" charset="-128"/>
@@ -4960,7 +5045,7 @@
                   </a:ext>
                 </a:extLst>
               </a:tr>
-              <a:tr h="514162">
+              <a:tr h="463035">
                 <a:tc>
                   <a:txBody>
                     <a:bodyPr/>
@@ -5006,12 +5091,16 @@
                     <a:lstStyle/>
                     <a:p>
                       <a:r>
-                        <a:rPr kumimoji="1" lang="ja-JP" altLang="en-US" sz="1050" b="0" dirty="0">
+                        <a:rPr kumimoji="1" lang="ja-JP" altLang="en-US" sz="1050" b="0">
                           <a:latin typeface="メイリオ" panose="020B0604030504040204" pitchFamily="50" charset="-128"/>
                           <a:ea typeface="メイリオ" panose="020B0604030504040204" pitchFamily="50" charset="-128"/>
                         </a:rPr>
-                        <a:t>区間トレース用パラメータをまとめてある</a:t>
+                        <a:t>ライントレース用のパラメータ</a:t>
                       </a:r>
+                      <a:endParaRPr kumimoji="1" lang="ja-JP" altLang="en-US" sz="1050" b="0" dirty="0">
+                        <a:latin typeface="メイリオ" panose="020B0604030504040204" pitchFamily="50" charset="-128"/>
+                        <a:ea typeface="メイリオ" panose="020B0604030504040204" pitchFamily="50" charset="-128"/>
+                      </a:endParaRPr>
                     </a:p>
                   </a:txBody>
                   <a:tcPr anchor="ctr">
@@ -5026,7 +5115,7 @@
                   </a:ext>
                 </a:extLst>
               </a:tr>
-              <a:tr h="314210">
+              <a:tr h="282966">
                 <a:tc>
                   <a:txBody>
                     <a:bodyPr/>
@@ -5054,12 +5143,16 @@
                     <a:lstStyle/>
                     <a:p>
                       <a:r>
-                        <a:rPr kumimoji="1" lang="ja-JP" altLang="en-US" sz="1050" b="0" dirty="0">
+                        <a:rPr kumimoji="1" lang="ja-JP" altLang="en-US" sz="1050" b="0">
                           <a:latin typeface="メイリオ" panose="020B0604030504040204" pitchFamily="50" charset="-128"/>
                           <a:ea typeface="メイリオ" panose="020B0604030504040204" pitchFamily="50" charset="-128"/>
                         </a:rPr>
-                        <a:t>ライントレースをする</a:t>
+                        <a:t>ライントレースの実行</a:t>
                       </a:r>
+                      <a:endParaRPr kumimoji="1" lang="en-US" altLang="ja-JP" sz="1050" b="0" dirty="0">
+                        <a:latin typeface="メイリオ" panose="020B0604030504040204" pitchFamily="50" charset="-128"/>
+                        <a:ea typeface="メイリオ" panose="020B0604030504040204" pitchFamily="50" charset="-128"/>
+                      </a:endParaRPr>
                     </a:p>
                   </a:txBody>
                   <a:tcPr anchor="ctr">
@@ -5074,7 +5167,7 @@
                   </a:ext>
                 </a:extLst>
               </a:tr>
-              <a:tr h="314210">
+              <a:tr h="282966">
                 <a:tc>
                   <a:txBody>
                     <a:bodyPr/>
@@ -5116,12 +5209,16 @@
                         <a:t>PID</a:t>
                       </a:r>
                       <a:r>
-                        <a:rPr kumimoji="1" lang="ja-JP" altLang="en-US" sz="1050" b="0" dirty="0">
+                        <a:rPr kumimoji="1" lang="ja-JP" altLang="en-US" sz="1050" b="0">
                           <a:latin typeface="メイリオ" panose="020B0604030504040204" pitchFamily="50" charset="-128"/>
                           <a:ea typeface="メイリオ" panose="020B0604030504040204" pitchFamily="50" charset="-128"/>
                         </a:rPr>
-                        <a:t>計算をする</a:t>
+                        <a:t>計算の実行</a:t>
                       </a:r>
+                      <a:endParaRPr kumimoji="1" lang="en-US" altLang="ja-JP" sz="1050" b="0" dirty="0">
+                        <a:latin typeface="メイリオ" panose="020B0604030504040204" pitchFamily="50" charset="-128"/>
+                        <a:ea typeface="メイリオ" panose="020B0604030504040204" pitchFamily="50" charset="-128"/>
+                      </a:endParaRPr>
                     </a:p>
                   </a:txBody>
                   <a:tcPr anchor="ctr">
@@ -5136,7 +5233,7 @@
                   </a:ext>
                 </a:extLst>
               </a:tr>
-              <a:tr h="314210">
+              <a:tr h="282966">
                 <a:tc>
                   <a:txBody>
                     <a:bodyPr/>
@@ -5164,11 +5261,11 @@
                     <a:lstStyle/>
                     <a:p>
                       <a:r>
-                        <a:rPr kumimoji="1" lang="ja-JP" altLang="en-US" sz="1050" b="0" dirty="0">
+                        <a:rPr kumimoji="1" lang="ja-JP" altLang="en-US" sz="1050" b="0">
                           <a:latin typeface="メイリオ" panose="020B0604030504040204" pitchFamily="50" charset="-128"/>
                           <a:ea typeface="メイリオ" panose="020B0604030504040204" pitchFamily="50" charset="-128"/>
                         </a:rPr>
-                        <a:t>倒立走行する</a:t>
+                        <a:t>倒立走行の実行</a:t>
                       </a:r>
                       <a:endParaRPr kumimoji="1" lang="en-US" altLang="ja-JP" sz="1050" b="0" dirty="0">
                         <a:latin typeface="メイリオ" panose="020B0604030504040204" pitchFamily="50" charset="-128"/>
@@ -5188,7 +5285,7 @@
                   </a:ext>
                 </a:extLst>
               </a:tr>
-              <a:tr h="514162">
+              <a:tr h="463035">
                 <a:tc>
                   <a:txBody>
                     <a:bodyPr/>
@@ -5241,11 +5338,11 @@
                     <a:lstStyle/>
                     <a:p>
                       <a:r>
-                        <a:rPr kumimoji="1" lang="ja-JP" altLang="en-US" sz="1050" b="0" dirty="0">
+                        <a:rPr kumimoji="1" lang="ja-JP" altLang="en-US" sz="1050" b="0">
                           <a:latin typeface="メイリオ" panose="020B0604030504040204" pitchFamily="50" charset="-128"/>
                           <a:ea typeface="メイリオ" panose="020B0604030504040204" pitchFamily="50" charset="-128"/>
                         </a:rPr>
-                        <a:t>倒立走行用の</a:t>
+                        <a:t>倒立走行用</a:t>
                       </a:r>
                       <a:r>
                         <a:rPr kumimoji="1" lang="en-US" altLang="ja-JP" sz="1050" b="0" dirty="0">
@@ -5255,18 +5352,11 @@
                         <a:t>PWM</a:t>
                       </a:r>
                       <a:r>
-                        <a:rPr kumimoji="1" lang="ja-JP" altLang="en-US" sz="1050" b="0" dirty="0">
-                          <a:latin typeface="メイリオ" panose="020B0604030504040204" pitchFamily="50" charset="-128"/>
-                          <a:ea typeface="メイリオ" panose="020B0604030504040204" pitchFamily="50" charset="-128"/>
-                        </a:rPr>
-                        <a:t>値</a:t>
-                      </a:r>
-                      <a:r>
                         <a:rPr kumimoji="1" lang="ja-JP" altLang="en-US" sz="1050" b="0">
                           <a:latin typeface="メイリオ" panose="020B0604030504040204" pitchFamily="50" charset="-128"/>
                           <a:ea typeface="メイリオ" panose="020B0604030504040204" pitchFamily="50" charset="-128"/>
                         </a:rPr>
-                        <a:t>を算出する</a:t>
+                        <a:t>値の算出</a:t>
                       </a:r>
                       <a:endParaRPr kumimoji="1" lang="ja-JP" altLang="en-US" sz="1050" b="0" dirty="0">
                         <a:latin typeface="メイリオ" panose="020B0604030504040204" pitchFamily="50" charset="-128"/>
@@ -5286,7 +5376,7 @@
                   </a:ext>
                 </a:extLst>
               </a:tr>
-              <a:tr h="314210">
+              <a:tr h="282966">
                 <a:tc>
                   <a:txBody>
                     <a:bodyPr/>
@@ -5314,12 +5404,16 @@
                     <a:lstStyle/>
                     <a:p>
                       <a:r>
-                        <a:rPr kumimoji="1" lang="ja-JP" altLang="en-US" sz="1050" b="0" dirty="0">
+                        <a:rPr kumimoji="1" lang="ja-JP" altLang="en-US" sz="1050" b="0">
                           <a:latin typeface="メイリオ" panose="020B0604030504040204" pitchFamily="50" charset="-128"/>
                           <a:ea typeface="メイリオ" panose="020B0604030504040204" pitchFamily="50" charset="-128"/>
                         </a:rPr>
-                        <a:t>参照先となるデータをまとめる</a:t>
+                        <a:t>各計器の統括</a:t>
                       </a:r>
+                      <a:endParaRPr kumimoji="1" lang="en-US" altLang="ja-JP" sz="1050" b="0" dirty="0">
+                        <a:latin typeface="メイリオ" panose="020B0604030504040204" pitchFamily="50" charset="-128"/>
+                        <a:ea typeface="メイリオ" panose="020B0604030504040204" pitchFamily="50" charset="-128"/>
+                      </a:endParaRPr>
                     </a:p>
                   </a:txBody>
                   <a:tcPr anchor="ctr">
@@ -5334,7 +5428,133 @@
                   </a:ext>
                 </a:extLst>
               </a:tr>
-              <a:tr h="314210">
+              <a:tr h="463035">
+                <a:tc>
+                  <a:txBody>
+                    <a:bodyPr/>
+                    <a:lstStyle/>
+                    <a:p>
+                      <a:pPr algn="ctr"/>
+                      <a:r>
+                        <a:rPr kumimoji="1" lang="ja-JP" altLang="en-US" sz="1050" b="0">
+                          <a:latin typeface="メイリオ" panose="020B0604030504040204" pitchFamily="50" charset="-128"/>
+                          <a:ea typeface="メイリオ" panose="020B0604030504040204" pitchFamily="50" charset="-128"/>
+                        </a:rPr>
+                        <a:t>ライントレーサ用</a:t>
+                      </a:r>
+                      <a:endParaRPr kumimoji="1" lang="en-US" altLang="ja-JP" sz="1050" b="0" dirty="0">
+                        <a:latin typeface="メイリオ" panose="020B0604030504040204" pitchFamily="50" charset="-128"/>
+                        <a:ea typeface="メイリオ" panose="020B0604030504040204" pitchFamily="50" charset="-128"/>
+                      </a:endParaRPr>
+                    </a:p>
+                    <a:p>
+                      <a:pPr algn="ctr"/>
+                      <a:r>
+                        <a:rPr kumimoji="1" lang="ja-JP" altLang="en-US" sz="1050" b="0">
+                          <a:latin typeface="メイリオ" panose="020B0604030504040204" pitchFamily="50" charset="-128"/>
+                          <a:ea typeface="メイリオ" panose="020B0604030504040204" pitchFamily="50" charset="-128"/>
+                        </a:rPr>
+                        <a:t>計器</a:t>
+                      </a:r>
+                      <a:endParaRPr kumimoji="1" lang="ja-JP" altLang="en-US" sz="1050" b="0" dirty="0">
+                        <a:latin typeface="メイリオ" panose="020B0604030504040204" pitchFamily="50" charset="-128"/>
+                        <a:ea typeface="メイリオ" panose="020B0604030504040204" pitchFamily="50" charset="-128"/>
+                      </a:endParaRPr>
+                    </a:p>
+                  </a:txBody>
+                  <a:tcPr anchor="ctr">
+                    <a:solidFill>
+                      <a:srgbClr val="CCFFCC"/>
+                    </a:solidFill>
+                  </a:tcPr>
+                </a:tc>
+                <a:tc>
+                  <a:txBody>
+                    <a:bodyPr/>
+                    <a:lstStyle/>
+                    <a:p>
+                      <a:r>
+                        <a:rPr kumimoji="1" lang="ja-JP" altLang="en-US" sz="1050" b="0">
+                          <a:latin typeface="メイリオ" panose="020B0604030504040204" pitchFamily="50" charset="-128"/>
+                          <a:ea typeface="メイリオ" panose="020B0604030504040204" pitchFamily="50" charset="-128"/>
+                        </a:rPr>
+                        <a:t>ライントレーサが使用する計器</a:t>
+                      </a:r>
+                      <a:endParaRPr kumimoji="1" lang="ja-JP" altLang="en-US" sz="1050" b="0" dirty="0">
+                        <a:latin typeface="メイリオ" panose="020B0604030504040204" pitchFamily="50" charset="-128"/>
+                        <a:ea typeface="メイリオ" panose="020B0604030504040204" pitchFamily="50" charset="-128"/>
+                      </a:endParaRPr>
+                    </a:p>
+                  </a:txBody>
+                  <a:tcPr anchor="ctr">
+                    <a:solidFill>
+                      <a:srgbClr val="CCFFCC"/>
+                    </a:solidFill>
+                  </a:tcPr>
+                </a:tc>
+                <a:extLst>
+                  <a:ext uri="{0D108BD9-81ED-4DB2-BD59-A6C34878D82A}">
+                    <a16:rowId xmlns:a16="http://schemas.microsoft.com/office/drawing/2014/main" val="2678361906"/>
+                  </a:ext>
+                </a:extLst>
+              </a:tr>
+              <a:tr h="282966">
+                <a:tc>
+                  <a:txBody>
+                    <a:bodyPr/>
+                    <a:lstStyle/>
+                    <a:p>
+                      <a:pPr algn="ctr"/>
+                      <a:r>
+                        <a:rPr kumimoji="1" lang="ja-JP" altLang="en-US" sz="1050" b="0">
+                          <a:latin typeface="メイリオ" panose="020B0604030504040204" pitchFamily="50" charset="-128"/>
+                          <a:ea typeface="メイリオ" panose="020B0604030504040204" pitchFamily="50" charset="-128"/>
+                        </a:rPr>
+                        <a:t>区間管理用計器</a:t>
+                      </a:r>
+                      <a:endParaRPr kumimoji="1" lang="ja-JP" altLang="en-US" sz="1050" b="0" dirty="0">
+                        <a:latin typeface="メイリオ" panose="020B0604030504040204" pitchFamily="50" charset="-128"/>
+                        <a:ea typeface="メイリオ" panose="020B0604030504040204" pitchFamily="50" charset="-128"/>
+                      </a:endParaRPr>
+                    </a:p>
+                  </a:txBody>
+                  <a:tcPr anchor="ctr">
+                    <a:solidFill>
+                      <a:srgbClr val="CCFFCC"/>
+                    </a:solidFill>
+                  </a:tcPr>
+                </a:tc>
+                <a:tc>
+                  <a:txBody>
+                    <a:bodyPr/>
+                    <a:lstStyle/>
+                    <a:p>
+                      <a:r>
+                        <a:rPr kumimoji="1" lang="ja-JP" altLang="en-US" sz="1050" b="0">
+                          <a:latin typeface="メイリオ" panose="020B0604030504040204" pitchFamily="50" charset="-128"/>
+                          <a:ea typeface="メイリオ" panose="020B0604030504040204" pitchFamily="50" charset="-128"/>
+                        </a:rPr>
+                        <a:t>区間管理が使用する計器</a:t>
+                      </a:r>
+                      <a:endParaRPr kumimoji="1" lang="ja-JP" altLang="en-US" sz="1050" b="0" dirty="0">
+                        <a:latin typeface="メイリオ" panose="020B0604030504040204" pitchFamily="50" charset="-128"/>
+                        <a:ea typeface="メイリオ" panose="020B0604030504040204" pitchFamily="50" charset="-128"/>
+                      </a:endParaRPr>
+                    </a:p>
+                  </a:txBody>
+                  <a:tcPr anchor="ctr">
+                    <a:solidFill>
+                      <a:srgbClr val="CCFFCC"/>
+                    </a:solidFill>
+                  </a:tcPr>
+                </a:tc>
+                <a:extLst>
+                  <a:ext uri="{0D108BD9-81ED-4DB2-BD59-A6C34878D82A}">
+                    <a16:rowId xmlns:a16="http://schemas.microsoft.com/office/drawing/2014/main" val="1619723522"/>
+                  </a:ext>
+                </a:extLst>
+              </a:tr>
+              <a:tr h="282966">
                 <a:tc>
                   <a:txBody>
                     <a:bodyPr/>
@@ -5362,18 +5582,11 @@
                     <a:lstStyle/>
                     <a:p>
                       <a:r>
-                        <a:rPr kumimoji="1" lang="ja-JP" altLang="en-US" sz="1050" b="0" dirty="0">
-                          <a:latin typeface="メイリオ" panose="020B0604030504040204" pitchFamily="50" charset="-128"/>
-                          <a:ea typeface="メイリオ" panose="020B0604030504040204" pitchFamily="50" charset="-128"/>
-                        </a:rPr>
-                        <a:t>角度から距離</a:t>
-                      </a:r>
-                      <a:r>
                         <a:rPr kumimoji="1" lang="ja-JP" altLang="en-US" sz="1050" b="0">
                           <a:latin typeface="メイリオ" panose="020B0604030504040204" pitchFamily="50" charset="-128"/>
                           <a:ea typeface="メイリオ" panose="020B0604030504040204" pitchFamily="50" charset="-128"/>
                         </a:rPr>
-                        <a:t>を測定する</a:t>
+                        <a:t>走行距離の計算</a:t>
                       </a:r>
                       <a:endParaRPr kumimoji="1" lang="ja-JP" altLang="en-US" sz="1050" b="0" dirty="0">
                         <a:latin typeface="メイリオ" panose="020B0604030504040204" pitchFamily="50" charset="-128"/>
@@ -5393,7 +5606,7 @@
                   </a:ext>
                 </a:extLst>
               </a:tr>
-              <a:tr h="314210">
+              <a:tr h="282966">
                 <a:tc>
                   <a:txBody>
                     <a:bodyPr/>
@@ -5421,18 +5634,11 @@
                     <a:lstStyle/>
                     <a:p>
                       <a:r>
-                        <a:rPr kumimoji="1" lang="ja-JP" altLang="en-US" sz="1050" b="0" dirty="0">
-                          <a:latin typeface="メイリオ" panose="020B0604030504040204" pitchFamily="50" charset="-128"/>
-                          <a:ea typeface="メイリオ" panose="020B0604030504040204" pitchFamily="50" charset="-128"/>
-                        </a:rPr>
-                        <a:t>輝度偏差</a:t>
-                      </a:r>
-                      <a:r>
                         <a:rPr kumimoji="1" lang="ja-JP" altLang="en-US" sz="1050" b="0">
                           <a:latin typeface="メイリオ" panose="020B0604030504040204" pitchFamily="50" charset="-128"/>
                           <a:ea typeface="メイリオ" panose="020B0604030504040204" pitchFamily="50" charset="-128"/>
                         </a:rPr>
-                        <a:t>を測定する</a:t>
+                        <a:t>輝度偏差の測定</a:t>
                       </a:r>
                       <a:endParaRPr kumimoji="1" lang="ja-JP" altLang="en-US" sz="1050" b="0" dirty="0">
                         <a:latin typeface="メイリオ" panose="020B0604030504040204" pitchFamily="50" charset="-128"/>
@@ -5452,7 +5658,7 @@
                   </a:ext>
                 </a:extLst>
               </a:tr>
-              <a:tr h="314210">
+              <a:tr h="282966">
                 <a:tc>
                   <a:txBody>
                     <a:bodyPr/>
@@ -5484,15 +5690,12 @@
                           <a:latin typeface="メイリオ" panose="020B0604030504040204" pitchFamily="50" charset="-128"/>
                           <a:ea typeface="メイリオ" panose="020B0604030504040204" pitchFamily="50" charset="-128"/>
                         </a:rPr>
-                        <a:t>角速度</a:t>
+                        <a:t>角速度の測定</a:t>
                       </a:r>
-                      <a:r>
-                        <a:rPr kumimoji="1" lang="ja-JP" altLang="en-US" sz="1050" b="0" dirty="0">
-                          <a:latin typeface="メイリオ" panose="020B0604030504040204" pitchFamily="50" charset="-128"/>
-                          <a:ea typeface="メイリオ" panose="020B0604030504040204" pitchFamily="50" charset="-128"/>
-                        </a:rPr>
-                        <a:t>を測定する</a:t>
-                      </a:r>
+                      <a:endParaRPr kumimoji="1" lang="ja-JP" altLang="en-US" sz="1050" b="0" dirty="0">
+                        <a:latin typeface="メイリオ" panose="020B0604030504040204" pitchFamily="50" charset="-128"/>
+                        <a:ea typeface="メイリオ" panose="020B0604030504040204" pitchFamily="50" charset="-128"/>
+                      </a:endParaRPr>
                     </a:p>
                   </a:txBody>
                   <a:tcPr anchor="ctr">
@@ -5507,7 +5710,7 @@
                   </a:ext>
                 </a:extLst>
               </a:tr>
-              <a:tr h="314210">
+              <a:tr h="282966">
                 <a:tc>
                   <a:txBody>
                     <a:bodyPr/>
@@ -5578,7 +5781,7 @@
                         <a:defRPr/>
                       </a:pPr>
                       <a:r>
-                        <a:rPr kumimoji="1" lang="ja-JP" altLang="en-US" sz="1050" b="0" i="0" u="none" strike="noStrike" kern="1200" cap="none" spc="0" normalizeH="0" baseline="0" noProof="0" dirty="0">
+                        <a:rPr kumimoji="1" lang="ja-JP" altLang="en-US" sz="1050" b="0" i="0" u="none" strike="noStrike" kern="1200" cap="none" spc="0" normalizeH="0" baseline="0" noProof="0">
                           <a:ln>
                             <a:noFill/>
                           </a:ln>
@@ -5592,8 +5795,22 @@
                           <a:ea typeface="メイリオ" panose="020B0604030504040204" pitchFamily="50" charset="-128"/>
                           <a:cs typeface="+mn-cs"/>
                         </a:rPr>
-                        <a:t>電圧を測定する</a:t>
+                        <a:t>電圧の測定</a:t>
                       </a:r>
+                      <a:endParaRPr kumimoji="1" lang="ja-JP" altLang="en-US" sz="1050" b="0" i="0" u="none" strike="noStrike" kern="1200" cap="none" spc="0" normalizeH="0" baseline="0" noProof="0" dirty="0">
+                        <a:ln>
+                          <a:noFill/>
+                        </a:ln>
+                        <a:solidFill>
+                          <a:prstClr val="black"/>
+                        </a:solidFill>
+                        <a:effectLst/>
+                        <a:uLnTx/>
+                        <a:uFillTx/>
+                        <a:latin typeface="メイリオ" panose="020B0604030504040204" pitchFamily="50" charset="-128"/>
+                        <a:ea typeface="メイリオ" panose="020B0604030504040204" pitchFamily="50" charset="-128"/>
+                        <a:cs typeface="+mn-cs"/>
+                      </a:endParaRPr>
                     </a:p>
                   </a:txBody>
                   <a:tcPr anchor="ctr">
@@ -5697,8 +5914,8 @@
         </p:nvSpPr>
         <p:spPr>
           <a:xfrm rot="10800000">
-            <a:off x="117246" y="8916237"/>
-            <a:ext cx="2538709" cy="429945"/>
+            <a:off x="119996" y="8723826"/>
+            <a:ext cx="2342762" cy="429945"/>
           </a:xfrm>
           <a:prstGeom prst="chevron">
             <a:avLst/>
@@ -5755,7 +5972,7 @@
         </p:nvSpPr>
         <p:spPr>
           <a:xfrm>
-            <a:off x="313191" y="8953449"/>
+            <a:off x="193383" y="8741667"/>
             <a:ext cx="2146817" cy="430887"/>
           </a:xfrm>
           <a:prstGeom prst="rect">
